--- a/PSD/操作説明(人狼).pptx
+++ b/PSD/操作説明(人狼).pptx
@@ -243,7 +243,7 @@
           <a:p>
             <a:fld id="{3DE19328-0B18-4B19-9CB0-D4BB2A53BF0E}" type="datetimeFigureOut">
               <a:rPr kumimoji="1" lang="ja-JP" altLang="en-US" smtClean="0"/>
-              <a:t>2022/11/11</a:t>
+              <a:t>2022/11/15</a:t>
             </a:fld>
             <a:endParaRPr kumimoji="1" lang="ja-JP" altLang="en-US"/>
           </a:p>
@@ -445,7 +445,7 @@
           <a:p>
             <a:fld id="{3DE19328-0B18-4B19-9CB0-D4BB2A53BF0E}" type="datetimeFigureOut">
               <a:rPr kumimoji="1" lang="ja-JP" altLang="en-US" smtClean="0"/>
-              <a:t>2022/11/11</a:t>
+              <a:t>2022/11/15</a:t>
             </a:fld>
             <a:endParaRPr kumimoji="1" lang="ja-JP" altLang="en-US"/>
           </a:p>
@@ -657,7 +657,7 @@
           <a:p>
             <a:fld id="{3DE19328-0B18-4B19-9CB0-D4BB2A53BF0E}" type="datetimeFigureOut">
               <a:rPr kumimoji="1" lang="ja-JP" altLang="en-US" smtClean="0"/>
-              <a:t>2022/11/11</a:t>
+              <a:t>2022/11/15</a:t>
             </a:fld>
             <a:endParaRPr kumimoji="1" lang="ja-JP" altLang="en-US"/>
           </a:p>
@@ -859,7 +859,7 @@
           <a:p>
             <a:fld id="{3DE19328-0B18-4B19-9CB0-D4BB2A53BF0E}" type="datetimeFigureOut">
               <a:rPr kumimoji="1" lang="ja-JP" altLang="en-US" smtClean="0"/>
-              <a:t>2022/11/11</a:t>
+              <a:t>2022/11/15</a:t>
             </a:fld>
             <a:endParaRPr kumimoji="1" lang="ja-JP" altLang="en-US"/>
           </a:p>
@@ -1105,7 +1105,7 @@
           <a:p>
             <a:fld id="{3DE19328-0B18-4B19-9CB0-D4BB2A53BF0E}" type="datetimeFigureOut">
               <a:rPr kumimoji="1" lang="ja-JP" altLang="en-US" smtClean="0"/>
-              <a:t>2022/11/11</a:t>
+              <a:t>2022/11/15</a:t>
             </a:fld>
             <a:endParaRPr kumimoji="1" lang="ja-JP" altLang="en-US"/>
           </a:p>
@@ -1401,7 +1401,7 @@
           <a:p>
             <a:fld id="{3DE19328-0B18-4B19-9CB0-D4BB2A53BF0E}" type="datetimeFigureOut">
               <a:rPr kumimoji="1" lang="ja-JP" altLang="en-US" smtClean="0"/>
-              <a:t>2022/11/11</a:t>
+              <a:t>2022/11/15</a:t>
             </a:fld>
             <a:endParaRPr kumimoji="1" lang="ja-JP" altLang="en-US"/>
           </a:p>
@@ -1832,7 +1832,7 @@
           <a:p>
             <a:fld id="{3DE19328-0B18-4B19-9CB0-D4BB2A53BF0E}" type="datetimeFigureOut">
               <a:rPr kumimoji="1" lang="ja-JP" altLang="en-US" smtClean="0"/>
-              <a:t>2022/11/11</a:t>
+              <a:t>2022/11/15</a:t>
             </a:fld>
             <a:endParaRPr kumimoji="1" lang="ja-JP" altLang="en-US"/>
           </a:p>
@@ -1950,7 +1950,7 @@
           <a:p>
             <a:fld id="{3DE19328-0B18-4B19-9CB0-D4BB2A53BF0E}" type="datetimeFigureOut">
               <a:rPr kumimoji="1" lang="ja-JP" altLang="en-US" smtClean="0"/>
-              <a:t>2022/11/11</a:t>
+              <a:t>2022/11/15</a:t>
             </a:fld>
             <a:endParaRPr kumimoji="1" lang="ja-JP" altLang="en-US"/>
           </a:p>
@@ -2045,7 +2045,7 @@
           <a:p>
             <a:fld id="{3DE19328-0B18-4B19-9CB0-D4BB2A53BF0E}" type="datetimeFigureOut">
               <a:rPr kumimoji="1" lang="ja-JP" altLang="en-US" smtClean="0"/>
-              <a:t>2022/11/11</a:t>
+              <a:t>2022/11/15</a:t>
             </a:fld>
             <a:endParaRPr kumimoji="1" lang="ja-JP" altLang="en-US"/>
           </a:p>
@@ -2354,7 +2354,7 @@
           <a:p>
             <a:fld id="{3DE19328-0B18-4B19-9CB0-D4BB2A53BF0E}" type="datetimeFigureOut">
               <a:rPr kumimoji="1" lang="ja-JP" altLang="en-US" smtClean="0"/>
-              <a:t>2022/11/11</a:t>
+              <a:t>2022/11/15</a:t>
             </a:fld>
             <a:endParaRPr kumimoji="1" lang="ja-JP" altLang="en-US"/>
           </a:p>
@@ -2607,7 +2607,7 @@
           <a:p>
             <a:fld id="{3DE19328-0B18-4B19-9CB0-D4BB2A53BF0E}" type="datetimeFigureOut">
               <a:rPr kumimoji="1" lang="ja-JP" altLang="en-US" smtClean="0"/>
-              <a:t>2022/11/11</a:t>
+              <a:t>2022/11/15</a:t>
             </a:fld>
             <a:endParaRPr kumimoji="1" lang="ja-JP" altLang="en-US"/>
           </a:p>
@@ -2852,7 +2852,7 @@
           <a:p>
             <a:fld id="{3DE19328-0B18-4B19-9CB0-D4BB2A53BF0E}" type="datetimeFigureOut">
               <a:rPr kumimoji="1" lang="ja-JP" altLang="en-US" smtClean="0"/>
-              <a:t>2022/11/11</a:t>
+              <a:t>2022/11/15</a:t>
             </a:fld>
             <a:endParaRPr kumimoji="1" lang="ja-JP" altLang="en-US"/>
           </a:p>
@@ -3340,6 +3340,85 @@
       </p:sp>
       <p:sp>
         <p:nvSpPr>
+          <p:cNvPr id="14" name="角丸四角形 13"/>
+          <p:cNvSpPr/>
+          <p:nvPr/>
+        </p:nvSpPr>
+        <p:spPr>
+          <a:xfrm>
+            <a:off x="6320901" y="1029797"/>
+            <a:ext cx="5737749" cy="4143878"/>
+          </a:xfrm>
+          <a:prstGeom prst="roundRect">
+            <a:avLst/>
+          </a:prstGeom>
+          <a:gradFill flip="none" rotWithShape="1">
+            <a:gsLst>
+              <a:gs pos="50000">
+                <a:schemeClr val="bg1">
+                  <a:lumMod val="65000"/>
+                </a:schemeClr>
+              </a:gs>
+              <a:gs pos="0">
+                <a:schemeClr val="bg1"/>
+              </a:gs>
+              <a:gs pos="100000">
+                <a:schemeClr val="bg1"/>
+              </a:gs>
+            </a:gsLst>
+            <a:lin ang="16200000" scaled="1"/>
+            <a:tileRect/>
+          </a:gradFill>
+          <a:ln>
+            <a:solidFill>
+              <a:schemeClr val="accent1">
+                <a:shade val="50000"/>
+                <a:alpha val="95000"/>
+              </a:schemeClr>
+            </a:solidFill>
+          </a:ln>
+          <a:effectLst>
+            <a:outerShdw blurRad="50800" dist="38100" algn="l" rotWithShape="0">
+              <a:prstClr val="black">
+                <a:alpha val="40000"/>
+              </a:prstClr>
+            </a:outerShdw>
+          </a:effectLst>
+          <a:scene3d>
+            <a:camera prst="orthographicFront"/>
+            <a:lightRig rig="threePt" dir="t"/>
+          </a:scene3d>
+          <a:sp3d>
+            <a:bevelT prst="slope"/>
+          </a:sp3d>
+        </p:spPr>
+        <p:style>
+          <a:lnRef idx="2">
+            <a:schemeClr val="accent1">
+              <a:shade val="50000"/>
+            </a:schemeClr>
+          </a:lnRef>
+          <a:fillRef idx="1">
+            <a:schemeClr val="accent1"/>
+          </a:fillRef>
+          <a:effectRef idx="0">
+            <a:schemeClr val="accent1"/>
+          </a:effectRef>
+          <a:fontRef idx="minor">
+            <a:schemeClr val="lt1"/>
+          </a:fontRef>
+        </p:style>
+        <p:txBody>
+          <a:bodyPr rtlCol="0" anchor="ctr"/>
+          <a:lstStyle/>
+          <a:p>
+            <a:pPr algn="ctr"/>
+            <a:endParaRPr kumimoji="1" lang="ja-JP" altLang="en-US"/>
+          </a:p>
+        </p:txBody>
+      </p:sp>
+      <p:sp>
+        <p:nvSpPr>
           <p:cNvPr id="2" name="テキスト ボックス 1"/>
           <p:cNvSpPr txBox="1"/>
           <p:nvPr/>
@@ -3383,31 +3462,7 @@
                 <a:latin typeface="あんずもじ2020" panose="02000600000000000000" pitchFamily="2" charset="-128"/>
                 <a:ea typeface="あんずもじ2020" panose="02000600000000000000" pitchFamily="2" charset="-128"/>
               </a:rPr>
-              <a:t>ルール</a:t>
-            </a:r>
-            <a:r>
-              <a:rPr kumimoji="1" lang="ja-JP" altLang="en-US" sz="6000" dirty="0" smtClean="0">
-                <a:ln w="0"/>
-                <a:solidFill>
-                  <a:schemeClr val="bg1"/>
-                </a:solidFill>
-                <a:effectLst>
-                  <a:glow rad="139700">
-                    <a:schemeClr val="accent1">
-                      <a:satMod val="175000"/>
-                      <a:alpha val="40000"/>
-                    </a:schemeClr>
-                  </a:glow>
-                  <a:outerShdw blurRad="38100" dist="25400" dir="5400000" algn="ctr" rotWithShape="0">
-                    <a:srgbClr val="6E747A">
-                      <a:alpha val="43000"/>
-                    </a:srgbClr>
-                  </a:outerShdw>
-                </a:effectLst>
-                <a:latin typeface="あんずもじ2020" panose="02000600000000000000" pitchFamily="2" charset="-128"/>
-                <a:ea typeface="あんずもじ2020" panose="02000600000000000000" pitchFamily="2" charset="-128"/>
-              </a:rPr>
-              <a:t>説明</a:t>
+              <a:t>ルール説明</a:t>
             </a:r>
             <a:r>
               <a:rPr kumimoji="1" lang="en-US" altLang="ja-JP" sz="6000" dirty="0" smtClean="0">
@@ -3512,8 +3567,8 @@
         </p:nvSpPr>
         <p:spPr>
           <a:xfrm>
-            <a:off x="125736" y="881502"/>
-            <a:ext cx="7000142" cy="1446550"/>
+            <a:off x="115736" y="959736"/>
+            <a:ext cx="7000142" cy="1323439"/>
           </a:xfrm>
           <a:prstGeom prst="rect">
             <a:avLst/>
@@ -3527,26 +3582,103 @@
           <a:lstStyle/>
           <a:p>
             <a:r>
-              <a:rPr lang="ja-JP" altLang="en-US" sz="4400" dirty="0">
+              <a:rPr lang="ja-JP" altLang="en-US" sz="4000" dirty="0">
                 <a:latin typeface="03スマートフォントUI" panose="02000600000000000000" pitchFamily="50" charset="-128"/>
                 <a:ea typeface="03スマートフォントUI" panose="02000600000000000000" pitchFamily="50" charset="-128"/>
               </a:rPr>
               <a:t>ゴーカート</a:t>
             </a:r>
             <a:r>
-              <a:rPr kumimoji="1" lang="ja-JP" altLang="en-US" sz="4400" dirty="0" smtClean="0">
+              <a:rPr kumimoji="1" lang="ja-JP" altLang="en-US" sz="4000" dirty="0" smtClean="0">
                 <a:latin typeface="03スマートフォントUI" panose="02000600000000000000" pitchFamily="50" charset="-128"/>
                 <a:ea typeface="03スマートフォントUI" panose="02000600000000000000" pitchFamily="50" charset="-128"/>
               </a:rPr>
-              <a:t>で風船を割って点数を競うゲームです。</a:t>
-            </a:r>
-            <a:endParaRPr kumimoji="1" lang="en-US" altLang="ja-JP" sz="4400" dirty="0" smtClean="0">
+              <a:t>で風船を</a:t>
+            </a:r>
+            <a:r>
+              <a:rPr kumimoji="1" lang="ja-JP" altLang="en-US" sz="4000" dirty="0" smtClean="0">
+                <a:latin typeface="03スマートフォントUI" panose="02000600000000000000" pitchFamily="50" charset="-128"/>
+                <a:ea typeface="03スマートフォントUI" panose="02000600000000000000" pitchFamily="50" charset="-128"/>
+              </a:rPr>
+              <a:t>割って</a:t>
+            </a:r>
+            <a:endParaRPr kumimoji="1" lang="en-US" altLang="ja-JP" sz="4000" dirty="0" smtClean="0">
               <a:latin typeface="03スマートフォントUI" panose="02000600000000000000" pitchFamily="50" charset="-128"/>
               <a:ea typeface="03スマートフォントUI" panose="02000600000000000000" pitchFamily="50" charset="-128"/>
             </a:endParaRPr>
           </a:p>
-        </p:txBody>
-      </p:sp>
+          <a:p>
+            <a:r>
+              <a:rPr kumimoji="1" lang="ja-JP" altLang="en-US" sz="4000" dirty="0" smtClean="0">
+                <a:latin typeface="03スマートフォントUI" panose="02000600000000000000" pitchFamily="50" charset="-128"/>
+                <a:ea typeface="03スマートフォントUI" panose="02000600000000000000" pitchFamily="50" charset="-128"/>
+              </a:rPr>
+              <a:t>点数</a:t>
+            </a:r>
+            <a:r>
+              <a:rPr kumimoji="1" lang="ja-JP" altLang="en-US" sz="4000" dirty="0" smtClean="0">
+                <a:latin typeface="03スマートフォントUI" panose="02000600000000000000" pitchFamily="50" charset="-128"/>
+                <a:ea typeface="03スマートフォントUI" panose="02000600000000000000" pitchFamily="50" charset="-128"/>
+              </a:rPr>
+              <a:t>を競うゲームです。</a:t>
+            </a:r>
+            <a:endParaRPr kumimoji="1" lang="en-US" altLang="ja-JP" sz="4000" dirty="0" smtClean="0">
+              <a:latin typeface="03スマートフォントUI" panose="02000600000000000000" pitchFamily="50" charset="-128"/>
+              <a:ea typeface="03スマートフォントUI" panose="02000600000000000000" pitchFamily="50" charset="-128"/>
+            </a:endParaRPr>
+          </a:p>
+        </p:txBody>
+      </p:sp>
+      <p:pic>
+        <p:nvPicPr>
+          <p:cNvPr id="20" name="Picture 2" descr="Xinput対応ゲームパッド - JC-U3613MBK"/>
+          <p:cNvPicPr>
+            <a:picLocks noChangeAspect="1" noChangeArrowheads="1"/>
+          </p:cNvPicPr>
+          <p:nvPr/>
+        </p:nvPicPr>
+        <p:blipFill rotWithShape="1">
+          <a:blip r:embed="rId3" cstate="print">
+            <a:extLst>
+              <a:ext uri="{BEBA8EAE-BF5A-486C-A8C5-ECC9F3942E4B}">
+                <a14:imgProps xmlns:a14="http://schemas.microsoft.com/office/drawing/2010/main">
+                  <a14:imgLayer r:embed="rId4">
+                    <a14:imgEffect>
+                      <a14:backgroundRemoval t="0" b="100000" l="500" r="100000">
+                        <a14:backgroundMark x1="46667" y1="63667" x2="66833" y2="71500"/>
+                      </a14:backgroundRemoval>
+                    </a14:imgEffect>
+                  </a14:imgLayer>
+                </a14:imgProps>
+              </a:ext>
+              <a:ext uri="{28A0092B-C50C-407E-A947-70E740481C1C}">
+                <a14:useLocalDpi xmlns:a14="http://schemas.microsoft.com/office/drawing/2010/main" val="0"/>
+              </a:ext>
+            </a:extLst>
+          </a:blip>
+          <a:srcRect t="12003"/>
+          <a:stretch/>
+        </p:blipFill>
+        <p:spPr bwMode="auto">
+          <a:xfrm>
+            <a:off x="7215728" y="2042381"/>
+            <a:ext cx="3936990" cy="3464448"/>
+          </a:xfrm>
+          <a:prstGeom prst="rect">
+            <a:avLst/>
+          </a:prstGeom>
+          <a:noFill/>
+          <a:extLst>
+            <a:ext uri="{909E8E84-426E-40DD-AFC4-6F175D3DCCD1}">
+              <a14:hiddenFill xmlns:a14="http://schemas.microsoft.com/office/drawing/2010/main">
+                <a:solidFill>
+                  <a:srgbClr val="FFFFFF"/>
+                </a:solidFill>
+              </a14:hiddenFill>
+            </a:ext>
+          </a:extLst>
+        </p:spPr>
+      </p:pic>
       <p:sp>
         <p:nvSpPr>
           <p:cNvPr id="4" name="テキスト ボックス 3"/>
@@ -3555,8 +3687,8 @@
         </p:nvSpPr>
         <p:spPr>
           <a:xfrm>
-            <a:off x="125735" y="2328052"/>
-            <a:ext cx="5829300" cy="1846659"/>
+            <a:off x="149210" y="2239435"/>
+            <a:ext cx="5829300" cy="1785104"/>
           </a:xfrm>
           <a:prstGeom prst="rect">
             <a:avLst/>
@@ -3570,7 +3702,7 @@
           <a:lstStyle/>
           <a:p>
             <a:r>
-              <a:rPr lang="ja-JP" altLang="en-US" sz="4400" b="1" dirty="0" smtClean="0">
+              <a:rPr lang="ja-JP" altLang="en-US" sz="4000" b="1" dirty="0" smtClean="0">
                 <a:solidFill>
                   <a:srgbClr val="FF00FF"/>
                 </a:solidFill>
@@ -3580,35 +3712,41 @@
               <a:t>ピンクの風船</a:t>
             </a:r>
             <a:r>
-              <a:rPr lang="ja-JP" altLang="en-US" sz="4400" dirty="0" smtClean="0">
+              <a:rPr lang="ja-JP" altLang="en-US" sz="4000" dirty="0" smtClean="0">
                 <a:latin typeface="03スマートフォントUI" panose="02000600000000000000" pitchFamily="50" charset="-128"/>
                 <a:ea typeface="03スマートフォントUI" panose="02000600000000000000" pitchFamily="50" charset="-128"/>
               </a:rPr>
               <a:t>は</a:t>
             </a:r>
             <a:r>
-              <a:rPr lang="en-US" altLang="ja-JP" sz="4800" b="1" dirty="0" smtClean="0">
+              <a:rPr lang="en-US" altLang="ja-JP" sz="4400" b="1" dirty="0" smtClean="0">
                 <a:latin typeface="03スマートフォントUI" panose="02000600000000000000" pitchFamily="50" charset="-128"/>
                 <a:ea typeface="03スマートフォントUI" panose="02000600000000000000" pitchFamily="50" charset="-128"/>
               </a:rPr>
               <a:t>1</a:t>
             </a:r>
             <a:r>
-              <a:rPr lang="ja-JP" altLang="en-US" sz="4800" b="1" dirty="0" smtClean="0">
+              <a:rPr lang="ja-JP" altLang="en-US" sz="4400" b="1" dirty="0" smtClean="0">
                 <a:latin typeface="03スマートフォントUI" panose="02000600000000000000" pitchFamily="50" charset="-128"/>
                 <a:ea typeface="03スマートフォントUI" panose="02000600000000000000" pitchFamily="50" charset="-128"/>
               </a:rPr>
               <a:t>点</a:t>
             </a:r>
             <a:r>
-              <a:rPr lang="ja-JP" altLang="en-US" sz="4400" dirty="0" smtClean="0">
+              <a:rPr lang="ja-JP" altLang="en-US" sz="4000" dirty="0" smtClean="0">
                 <a:latin typeface="03スマートフォントUI" panose="02000600000000000000" pitchFamily="50" charset="-128"/>
                 <a:ea typeface="03スマートフォントUI" panose="02000600000000000000" pitchFamily="50" charset="-128"/>
               </a:rPr>
               <a:t>、</a:t>
             </a:r>
-            <a:r>
-              <a:rPr lang="ja-JP" altLang="en-US" sz="4400" b="1" dirty="0" smtClean="0">
+            <a:endParaRPr lang="en-US" altLang="ja-JP" sz="4000" dirty="0" smtClean="0">
+              <a:latin typeface="03スマートフォントUI" panose="02000600000000000000" pitchFamily="50" charset="-128"/>
+              <a:ea typeface="03スマートフォントUI" panose="02000600000000000000" pitchFamily="50" charset="-128"/>
+            </a:endParaRPr>
+          </a:p>
+          <a:p>
+            <a:r>
+              <a:rPr lang="ja-JP" altLang="en-US" sz="4000" b="1" dirty="0" smtClean="0">
                 <a:ln w="3175">
                   <a:noFill/>
                 </a:ln>
@@ -3638,41 +3776,74 @@
                 <a:latin typeface="03スマートフォントUI" panose="02000600000000000000" pitchFamily="50" charset="-128"/>
                 <a:ea typeface="03スマートフォントUI" panose="02000600000000000000" pitchFamily="50" charset="-128"/>
               </a:rPr>
-              <a:t>金色の風船</a:t>
-            </a:r>
-            <a:r>
-              <a:rPr lang="ja-JP" altLang="en-US" sz="4400" dirty="0" smtClean="0">
+              <a:t>金色</a:t>
+            </a:r>
+            <a:r>
+              <a:rPr lang="ja-JP" altLang="en-US" sz="4000" b="1" dirty="0" smtClean="0">
+                <a:ln w="3175">
+                  <a:noFill/>
+                </a:ln>
+                <a:gradFill flip="none" rotWithShape="1">
+                  <a:gsLst>
+                    <a:gs pos="0">
+                      <a:schemeClr val="accent4">
+                        <a:lumMod val="67000"/>
+                      </a:schemeClr>
+                    </a:gs>
+                    <a:gs pos="48000">
+                      <a:schemeClr val="accent4">
+                        <a:lumMod val="97000"/>
+                        <a:lumOff val="3000"/>
+                      </a:schemeClr>
+                    </a:gs>
+                    <a:gs pos="100000">
+                      <a:schemeClr val="accent4">
+                        <a:lumMod val="60000"/>
+                        <a:lumOff val="40000"/>
+                      </a:schemeClr>
+                    </a:gs>
+                  </a:gsLst>
+                  <a:lin ang="16200000" scaled="1"/>
+                  <a:tileRect/>
+                </a:gradFill>
+                <a:latin typeface="03スマートフォントUI" panose="02000600000000000000" pitchFamily="50" charset="-128"/>
+                <a:ea typeface="03スマートフォントUI" panose="02000600000000000000" pitchFamily="50" charset="-128"/>
+              </a:rPr>
+              <a:t>の風船</a:t>
+            </a:r>
+            <a:r>
+              <a:rPr lang="ja-JP" altLang="en-US" sz="4000" dirty="0" smtClean="0">
                 <a:latin typeface="03スマートフォントUI" panose="02000600000000000000" pitchFamily="50" charset="-128"/>
                 <a:ea typeface="03スマートフォントUI" panose="02000600000000000000" pitchFamily="50" charset="-128"/>
               </a:rPr>
               <a:t>は</a:t>
             </a:r>
             <a:r>
-              <a:rPr lang="en-US" altLang="ja-JP" sz="4800" b="1" dirty="0" smtClean="0">
+              <a:rPr lang="en-US" altLang="ja-JP" sz="4400" b="1" dirty="0" smtClean="0">
                 <a:latin typeface="03スマートフォントUI" panose="02000600000000000000" pitchFamily="50" charset="-128"/>
                 <a:ea typeface="03スマートフォントUI" panose="02000600000000000000" pitchFamily="50" charset="-128"/>
               </a:rPr>
               <a:t>3</a:t>
             </a:r>
             <a:r>
-              <a:rPr lang="ja-JP" altLang="en-US" sz="4800" b="1" dirty="0" smtClean="0">
+              <a:rPr lang="ja-JP" altLang="en-US" sz="4400" b="1" dirty="0" smtClean="0">
                 <a:latin typeface="03スマートフォントUI" panose="02000600000000000000" pitchFamily="50" charset="-128"/>
                 <a:ea typeface="03スマートフォントUI" panose="02000600000000000000" pitchFamily="50" charset="-128"/>
               </a:rPr>
               <a:t>点</a:t>
             </a:r>
             <a:r>
-              <a:rPr lang="ja-JP" altLang="en-US" sz="4400" dirty="0" smtClean="0">
+              <a:rPr lang="ja-JP" altLang="en-US" sz="4000" dirty="0" smtClean="0">
                 <a:latin typeface="03スマートフォントUI" panose="02000600000000000000" pitchFamily="50" charset="-128"/>
                 <a:ea typeface="03スマートフォントUI" panose="02000600000000000000" pitchFamily="50" charset="-128"/>
               </a:rPr>
               <a:t>です</a:t>
             </a:r>
             <a:r>
-              <a:rPr lang="ja-JP" altLang="en-US" sz="4400" dirty="0" smtClean="0"/>
+              <a:rPr lang="ja-JP" altLang="en-US" sz="4800" dirty="0" smtClean="0"/>
               <a:t>。</a:t>
             </a:r>
-            <a:endParaRPr lang="ja-JP" altLang="en-US" sz="4400" dirty="0"/>
+            <a:endParaRPr lang="ja-JP" altLang="en-US" sz="4800" dirty="0"/>
           </a:p>
           <a:p>
             <a:endParaRPr kumimoji="1" lang="ja-JP" altLang="en-US" dirty="0">
@@ -3711,7 +3882,7 @@
         </p:nvSpPr>
         <p:spPr>
           <a:xfrm>
-            <a:off x="7305676" y="5864776"/>
+            <a:off x="7495833" y="4353706"/>
             <a:ext cx="2362200" cy="707886"/>
           </a:xfrm>
           <a:prstGeom prst="rect">
@@ -3747,7 +3918,7 @@
         </p:nvSpPr>
         <p:spPr>
           <a:xfrm>
-            <a:off x="10313611" y="3294132"/>
+            <a:off x="10380891" y="2042381"/>
             <a:ext cx="1862504" cy="707886"/>
           </a:xfrm>
           <a:prstGeom prst="rect">
@@ -3783,8 +3954,8 @@
         </p:nvSpPr>
         <p:spPr>
           <a:xfrm>
-            <a:off x="7592639" y="2097128"/>
-            <a:ext cx="1000125" cy="600075"/>
+            <a:off x="7929945" y="1204055"/>
+            <a:ext cx="909861" cy="469314"/>
           </a:xfrm>
           <a:prstGeom prst="flowChartManualInput">
             <a:avLst/>
@@ -3818,10 +3989,10 @@
           <a:p>
             <a:pPr algn="ctr"/>
             <a:r>
-              <a:rPr kumimoji="1" lang="en-US" altLang="ja-JP" sz="3200" b="1" dirty="0" smtClean="0"/>
+              <a:rPr kumimoji="1" lang="en-US" altLang="ja-JP" sz="2400" b="1" dirty="0" smtClean="0"/>
               <a:t>LB</a:t>
             </a:r>
-            <a:endParaRPr kumimoji="1" lang="ja-JP" altLang="en-US" b="1" dirty="0"/>
+            <a:endParaRPr kumimoji="1" lang="ja-JP" altLang="en-US" sz="1400" b="1" dirty="0"/>
           </a:p>
         </p:txBody>
       </p:sp>
@@ -3833,8 +4004,8 @@
         </p:nvSpPr>
         <p:spPr>
           <a:xfrm>
-            <a:off x="8613398" y="2043222"/>
-            <a:ext cx="3400425" cy="707886"/>
+            <a:off x="8746775" y="1238836"/>
+            <a:ext cx="3400425" cy="523220"/>
           </a:xfrm>
           <a:prstGeom prst="rect">
             <a:avLst/>
@@ -3848,13 +4019,13 @@
           <a:lstStyle/>
           <a:p>
             <a:r>
-              <a:rPr lang="ja-JP" altLang="en-US" sz="4000" dirty="0">
+              <a:rPr lang="ja-JP" altLang="en-US" sz="2800" dirty="0">
                 <a:latin typeface="03スマートフォントUI" panose="02000600000000000000" pitchFamily="50" charset="-128"/>
                 <a:ea typeface="03スマートフォントUI" panose="02000600000000000000" pitchFamily="50" charset="-128"/>
               </a:rPr>
               <a:t>アイテム使用</a:t>
             </a:r>
-            <a:endParaRPr kumimoji="1" lang="ja-JP" altLang="en-US" dirty="0">
+            <a:endParaRPr kumimoji="1" lang="ja-JP" altLang="en-US" sz="1200" dirty="0">
               <a:latin typeface="03スマートフォントUI" panose="02000600000000000000" pitchFamily="50" charset="-128"/>
               <a:ea typeface="03スマートフォントUI" panose="02000600000000000000" pitchFamily="50" charset="-128"/>
             </a:endParaRPr>
@@ -3869,7 +4040,7 @@
         </p:nvSpPr>
         <p:spPr>
           <a:xfrm>
-            <a:off x="6340531" y="4001344"/>
+            <a:off x="6407811" y="2749593"/>
             <a:ext cx="1296984" cy="707886"/>
           </a:xfrm>
           <a:prstGeom prst="rect">
@@ -3893,6 +4064,104 @@
             <a:endParaRPr kumimoji="1" lang="ja-JP" altLang="en-US" dirty="0">
               <a:latin typeface="03スマートフォントUI" panose="02000600000000000000" pitchFamily="50" charset="-128"/>
               <a:ea typeface="03スマートフォントUI" panose="02000600000000000000" pitchFamily="50" charset="-128"/>
+            </a:endParaRPr>
+          </a:p>
+        </p:txBody>
+      </p:sp>
+      <p:sp>
+        <p:nvSpPr>
+          <p:cNvPr id="9" name="角丸四角形 8"/>
+          <p:cNvSpPr/>
+          <p:nvPr/>
+        </p:nvSpPr>
+        <p:spPr>
+          <a:xfrm>
+            <a:off x="123440" y="5173675"/>
+            <a:ext cx="12068559" cy="1603341"/>
+          </a:xfrm>
+          <a:prstGeom prst="roundRect">
+            <a:avLst/>
+          </a:prstGeom>
+          <a:gradFill flip="none" rotWithShape="1">
+            <a:gsLst>
+              <a:gs pos="0">
+                <a:srgbClr val="FF0000">
+                  <a:tint val="66000"/>
+                  <a:satMod val="160000"/>
+                </a:srgbClr>
+              </a:gs>
+              <a:gs pos="50000">
+                <a:srgbClr val="FF0000">
+                  <a:tint val="44500"/>
+                  <a:satMod val="160000"/>
+                </a:srgbClr>
+              </a:gs>
+              <a:gs pos="100000">
+                <a:srgbClr val="FF0000">
+                  <a:tint val="23500"/>
+                  <a:satMod val="160000"/>
+                </a:srgbClr>
+              </a:gs>
+            </a:gsLst>
+            <a:path path="circle">
+              <a:fillToRect l="50000" t="50000" r="50000" b="50000"/>
+            </a:path>
+            <a:tileRect/>
+          </a:gradFill>
+          <a:ln>
+            <a:solidFill>
+              <a:schemeClr val="tx1">
+                <a:alpha val="95000"/>
+              </a:schemeClr>
+            </a:solidFill>
+          </a:ln>
+          <a:scene3d>
+            <a:camera prst="orthographicFront"/>
+            <a:lightRig rig="threePt" dir="t"/>
+          </a:scene3d>
+          <a:sp3d>
+            <a:bevelT w="139700" prst="cross"/>
+          </a:sp3d>
+        </p:spPr>
+        <p:style>
+          <a:lnRef idx="2">
+            <a:schemeClr val="accent1">
+              <a:shade val="50000"/>
+            </a:schemeClr>
+          </a:lnRef>
+          <a:fillRef idx="1">
+            <a:schemeClr val="accent1"/>
+          </a:fillRef>
+          <a:effectRef idx="0">
+            <a:schemeClr val="accent1"/>
+          </a:effectRef>
+          <a:fontRef idx="minor">
+            <a:schemeClr val="lt1"/>
+          </a:fontRef>
+        </p:style>
+        <p:txBody>
+          <a:bodyPr rtlCol="0" anchor="ctr"/>
+          <a:lstStyle/>
+          <a:p>
+            <a:pPr algn="ctr"/>
+            <a:endParaRPr kumimoji="1" lang="ja-JP" altLang="en-US">
+              <a:gradFill>
+                <a:gsLst>
+                  <a:gs pos="0">
+                    <a:srgbClr val="FFD1FF"/>
+                  </a:gs>
+                  <a:gs pos="74000">
+                    <a:srgbClr val="FFA3FF"/>
+                  </a:gs>
+                  <a:gs pos="83000">
+                    <a:srgbClr val="FF93FF"/>
+                  </a:gs>
+                  <a:gs pos="100000">
+                    <a:srgbClr val="FF93FF"/>
+                  </a:gs>
+                </a:gsLst>
+                <a:lin ang="5400000" scaled="1"/>
+              </a:gradFill>
             </a:endParaRPr>
           </a:p>
         </p:txBody>
@@ -3906,7 +4175,7 @@
           <p:nvPr/>
         </p:nvPicPr>
         <p:blipFill>
-          <a:blip r:embed="rId3" cstate="print">
+          <a:blip r:embed="rId5" cstate="print">
             <a:extLst>
               <a:ext uri="{28A0092B-C50C-407E-A947-70E740481C1C}">
                 <a14:useLocalDpi xmlns:a14="http://schemas.microsoft.com/office/drawing/2010/main" val="0"/>
@@ -3919,8 +4188,8 @@
         </p:blipFill>
         <p:spPr>
           <a:xfrm>
-            <a:off x="19360" y="5441006"/>
-            <a:ext cx="1514475" cy="1374386"/>
+            <a:off x="156843" y="5188910"/>
+            <a:ext cx="1464079" cy="1424181"/>
           </a:xfrm>
           <a:prstGeom prst="rect">
             <a:avLst/>
@@ -3935,8 +4204,8 @@
         </p:nvSpPr>
         <p:spPr>
           <a:xfrm>
-            <a:off x="1694531" y="5441006"/>
-            <a:ext cx="2457450" cy="707886"/>
+            <a:off x="1610078" y="5145134"/>
+            <a:ext cx="2375675" cy="707368"/>
           </a:xfrm>
           <a:prstGeom prst="rect">
             <a:avLst/>
@@ -3950,18 +4219,28 @@
           <a:lstStyle/>
           <a:p>
             <a:r>
-              <a:rPr kumimoji="1" lang="ja-JP" altLang="en-US" sz="4000" dirty="0" smtClean="0">
+              <a:rPr kumimoji="1" lang="ja-JP" altLang="en-US" sz="4000" b="1" dirty="0" smtClean="0">
+                <a:ln>
+                  <a:solidFill>
+                    <a:schemeClr val="tx1"/>
+                  </a:solidFill>
+                </a:ln>
                 <a:solidFill>
-                  <a:srgbClr val="FF0000"/>
+                  <a:srgbClr val="FFFF00"/>
                 </a:solidFill>
                 <a:latin typeface="03スマートフォントUI" panose="02000600000000000000" pitchFamily="50" charset="-128"/>
                 <a:ea typeface="03スマートフォントUI" panose="02000600000000000000" pitchFamily="50" charset="-128"/>
               </a:rPr>
               <a:t>バナナ</a:t>
             </a:r>
-            <a:endParaRPr kumimoji="1" lang="ja-JP" altLang="en-US" dirty="0">
+            <a:endParaRPr kumimoji="1" lang="ja-JP" altLang="en-US" b="1" dirty="0">
+              <a:ln>
+                <a:solidFill>
+                  <a:schemeClr val="tx1"/>
+                </a:solidFill>
+              </a:ln>
               <a:solidFill>
-                <a:srgbClr val="FF0000"/>
+                <a:srgbClr val="FFFF00"/>
               </a:solidFill>
               <a:latin typeface="03スマートフォントUI" panose="02000600000000000000" pitchFamily="50" charset="-128"/>
               <a:ea typeface="03スマートフォントUI" panose="02000600000000000000" pitchFamily="50" charset="-128"/>
@@ -3977,8 +4256,8 @@
         </p:nvSpPr>
         <p:spPr>
           <a:xfrm>
-            <a:off x="1660219" y="6028241"/>
-            <a:ext cx="5361844" cy="954107"/>
+            <a:off x="1470537" y="5732549"/>
+            <a:ext cx="4149213" cy="954107"/>
           </a:xfrm>
           <a:prstGeom prst="rect">
             <a:avLst/>
@@ -3996,27 +4275,28 @@
                 <a:latin typeface="03スマートフォントUI" panose="02000600000000000000" pitchFamily="50" charset="-128"/>
                 <a:ea typeface="03スマートフォントUI" panose="02000600000000000000" pitchFamily="50" charset="-128"/>
               </a:rPr>
-              <a:t>アイテムボックスから取得でき、</a:t>
-            </a:r>
-            <a:endParaRPr kumimoji="1" lang="en-US" altLang="ja-JP" sz="2800" dirty="0" smtClean="0">
-              <a:latin typeface="03スマートフォントUI" panose="02000600000000000000" pitchFamily="50" charset="-128"/>
-              <a:ea typeface="03スマートフォントUI" panose="02000600000000000000" pitchFamily="50" charset="-128"/>
-            </a:endParaRPr>
-          </a:p>
-          <a:p>
+              <a:t>ぶつける</a:t>
+            </a:r>
             <a:r>
               <a:rPr kumimoji="1" lang="ja-JP" altLang="en-US" sz="2800" dirty="0" smtClean="0">
                 <a:latin typeface="03スマートフォントUI" panose="02000600000000000000" pitchFamily="50" charset="-128"/>
                 <a:ea typeface="03スマートフォントUI" panose="02000600000000000000" pitchFamily="50" charset="-128"/>
               </a:rPr>
-              <a:t>ぶつける</a:t>
+              <a:t>と相手</a:t>
             </a:r>
             <a:r>
               <a:rPr kumimoji="1" lang="ja-JP" altLang="en-US" sz="2800" dirty="0" smtClean="0">
                 <a:latin typeface="03スマートフォントUI" panose="02000600000000000000" pitchFamily="50" charset="-128"/>
                 <a:ea typeface="03スマートフォントUI" panose="02000600000000000000" pitchFamily="50" charset="-128"/>
               </a:rPr>
-              <a:t>と相手がスピンします。</a:t>
+              <a:t>がスピン</a:t>
+            </a:r>
+            <a:r>
+              <a:rPr kumimoji="1" lang="ja-JP" altLang="en-US" sz="2800" dirty="0" smtClean="0">
+                <a:latin typeface="03スマートフォントUI" panose="02000600000000000000" pitchFamily="50" charset="-128"/>
+                <a:ea typeface="03スマートフォントUI" panose="02000600000000000000" pitchFamily="50" charset="-128"/>
+              </a:rPr>
+              <a:t>します。</a:t>
             </a:r>
             <a:endParaRPr kumimoji="1" lang="ja-JP" altLang="en-US" sz="1400" dirty="0">
               <a:latin typeface="03スマートフォントUI" panose="02000600000000000000" pitchFamily="50" charset="-128"/>
@@ -4025,56 +4305,6 @@
           </a:p>
         </p:txBody>
       </p:sp>
-      <p:pic>
-        <p:nvPicPr>
-          <p:cNvPr id="20" name="Picture 2" descr="Xinput対応ゲームパッド - JC-U3613MBK"/>
-          <p:cNvPicPr>
-            <a:picLocks noChangeAspect="1" noChangeArrowheads="1"/>
-          </p:cNvPicPr>
-          <p:nvPr/>
-        </p:nvPicPr>
-        <p:blipFill rotWithShape="1">
-          <a:blip r:embed="rId4" cstate="print">
-            <a:extLst>
-              <a:ext uri="{BEBA8EAE-BF5A-486C-A8C5-ECC9F3942E4B}">
-                <a14:imgProps xmlns:a14="http://schemas.microsoft.com/office/drawing/2010/main">
-                  <a14:imgLayer r:embed="rId5">
-                    <a14:imgEffect>
-                      <a14:backgroundRemoval t="0" b="100000" l="500" r="100000">
-                        <a14:backgroundMark x1="46667" y1="63667" x2="66833" y2="71500"/>
-                      </a14:backgroundRemoval>
-                    </a14:imgEffect>
-                  </a14:imgLayer>
-                </a14:imgProps>
-              </a:ext>
-              <a:ext uri="{28A0092B-C50C-407E-A947-70E740481C1C}">
-                <a14:useLocalDpi xmlns:a14="http://schemas.microsoft.com/office/drawing/2010/main" val="0"/>
-              </a:ext>
-            </a:extLst>
-          </a:blip>
-          <a:srcRect t="12003"/>
-          <a:stretch/>
-        </p:blipFill>
-        <p:spPr bwMode="auto">
-          <a:xfrm>
-            <a:off x="7148448" y="3294132"/>
-            <a:ext cx="3936990" cy="3464448"/>
-          </a:xfrm>
-          <a:prstGeom prst="rect">
-            <a:avLst/>
-          </a:prstGeom>
-          <a:noFill/>
-          <a:extLst>
-            <a:ext uri="{909E8E84-426E-40DD-AFC4-6F175D3DCCD1}">
-              <a14:hiddenFill xmlns:a14="http://schemas.microsoft.com/office/drawing/2010/main">
-                <a:solidFill>
-                  <a:srgbClr val="FFFFFF"/>
-                </a:solidFill>
-              </a14:hiddenFill>
-            </a:ext>
-          </a:extLst>
-        </p:spPr>
-      </p:pic>
       <p:cxnSp>
         <p:nvCxnSpPr>
           <p:cNvPr id="22" name="直線矢印コネクタ 21"/>
@@ -4083,8 +4313,8 @@
         </p:nvCxnSpPr>
         <p:spPr>
           <a:xfrm flipV="1">
-            <a:off x="9334500" y="4752975"/>
-            <a:ext cx="838200" cy="1322464"/>
+            <a:off x="9559490" y="3501224"/>
+            <a:ext cx="680490" cy="1083737"/>
           </a:xfrm>
           <a:prstGeom prst="straightConnector1">
             <a:avLst/>
@@ -4118,7 +4348,7 @@
         </p:nvCxnSpPr>
         <p:spPr>
           <a:xfrm flipH="1">
-            <a:off x="10601325" y="4002018"/>
+            <a:off x="10668605" y="2750267"/>
             <a:ext cx="643538" cy="550932"/>
           </a:xfrm>
           <a:prstGeom prst="straightConnector1">
@@ -4151,7 +4381,7 @@
         </p:nvCxnSpPr>
         <p:spPr>
           <a:xfrm flipV="1">
-            <a:off x="7475717" y="3912954"/>
+            <a:off x="7542997" y="2661203"/>
             <a:ext cx="925333" cy="312557"/>
           </a:xfrm>
           <a:prstGeom prst="straightConnector1">
@@ -4187,8 +4417,8 @@
         </p:nvCxnSpPr>
         <p:spPr>
           <a:xfrm flipH="1">
-            <a:off x="8772525" y="2751108"/>
-            <a:ext cx="791391" cy="763708"/>
+            <a:off x="8839806" y="1742438"/>
+            <a:ext cx="635153" cy="520627"/>
           </a:xfrm>
           <a:prstGeom prst="straightConnector1">
             <a:avLst/>
@@ -4223,8 +4453,8 @@
         </p:nvSpPr>
         <p:spPr>
           <a:xfrm>
-            <a:off x="125071" y="3990738"/>
-            <a:ext cx="6403509" cy="1200329"/>
+            <a:off x="101458" y="3685885"/>
+            <a:ext cx="6403509" cy="1261884"/>
           </a:xfrm>
           <a:prstGeom prst="rect">
             <a:avLst/>
@@ -4252,15 +4482,160 @@
                 <a:latin typeface="03スマートフォントUI" panose="02000600000000000000" pitchFamily="2" charset="-128"/>
                 <a:ea typeface="03スマートフォントUI" panose="02000600000000000000" pitchFamily="2" charset="-128"/>
               </a:rPr>
-              <a:t>のまわりには金色の風船が出やすくなります。</a:t>
-            </a:r>
-            <a:endParaRPr kumimoji="1" lang="ja-JP" altLang="en-US" sz="3600" dirty="0">
+              <a:t>のまわりには金色の風船が出やすくなります</a:t>
+            </a:r>
+            <a:r>
+              <a:rPr kumimoji="1" lang="ja-JP" altLang="en-US" sz="4000" dirty="0" smtClean="0">
+                <a:latin typeface="03スマートフォントUI" panose="02000600000000000000" pitchFamily="2" charset="-128"/>
+                <a:ea typeface="03スマートフォントUI" panose="02000600000000000000" pitchFamily="2" charset="-128"/>
+              </a:rPr>
+              <a:t>。</a:t>
+            </a:r>
+            <a:endParaRPr kumimoji="1" lang="ja-JP" altLang="en-US" sz="4000" dirty="0">
               <a:latin typeface="03スマートフォントUI" panose="02000600000000000000" pitchFamily="2" charset="-128"/>
               <a:ea typeface="03スマートフォントUI" panose="02000600000000000000" pitchFamily="2" charset="-128"/>
             </a:endParaRPr>
           </a:p>
         </p:txBody>
       </p:sp>
+      <p:sp>
+        <p:nvSpPr>
+          <p:cNvPr id="21" name="テキスト ボックス 20"/>
+          <p:cNvSpPr txBox="1"/>
+          <p:nvPr/>
+        </p:nvSpPr>
+        <p:spPr>
+          <a:xfrm>
+            <a:off x="7036235" y="5173675"/>
+            <a:ext cx="2375675" cy="707368"/>
+          </a:xfrm>
+          <a:prstGeom prst="rect">
+            <a:avLst/>
+          </a:prstGeom>
+          <a:noFill/>
+        </p:spPr>
+        <p:txBody>
+          <a:bodyPr wrap="square" rtlCol="0">
+            <a:spAutoFit/>
+          </a:bodyPr>
+          <a:lstStyle/>
+          <a:p>
+            <a:r>
+              <a:rPr kumimoji="1" lang="ja-JP" altLang="en-US" sz="4000" b="1" dirty="0" smtClean="0">
+                <a:ln>
+                  <a:solidFill>
+                    <a:schemeClr val="tx1"/>
+                  </a:solidFill>
+                </a:ln>
+                <a:solidFill>
+                  <a:srgbClr val="FFFF00"/>
+                </a:solidFill>
+                <a:latin typeface="03スマートフォントUI" panose="02000600000000000000" pitchFamily="50" charset="-128"/>
+                <a:ea typeface="03スマートフォントUI" panose="02000600000000000000" pitchFamily="50" charset="-128"/>
+              </a:rPr>
+              <a:t>ガソリン</a:t>
+            </a:r>
+            <a:endParaRPr kumimoji="1" lang="ja-JP" altLang="en-US" b="1" dirty="0">
+              <a:ln>
+                <a:solidFill>
+                  <a:schemeClr val="tx1"/>
+                </a:solidFill>
+              </a:ln>
+              <a:solidFill>
+                <a:srgbClr val="FFFF00"/>
+              </a:solidFill>
+              <a:latin typeface="03スマートフォントUI" panose="02000600000000000000" pitchFamily="50" charset="-128"/>
+              <a:ea typeface="03スマートフォントUI" panose="02000600000000000000" pitchFamily="50" charset="-128"/>
+            </a:endParaRPr>
+          </a:p>
+        </p:txBody>
+      </p:sp>
+      <p:sp>
+        <p:nvSpPr>
+          <p:cNvPr id="26" name="テキスト ボックス 25"/>
+          <p:cNvSpPr txBox="1"/>
+          <p:nvPr/>
+        </p:nvSpPr>
+        <p:spPr>
+          <a:xfrm>
+            <a:off x="6986196" y="5732548"/>
+            <a:ext cx="5146588" cy="954107"/>
+          </a:xfrm>
+          <a:prstGeom prst="rect">
+            <a:avLst/>
+          </a:prstGeom>
+          <a:noFill/>
+        </p:spPr>
+        <p:txBody>
+          <a:bodyPr wrap="square" rtlCol="0">
+            <a:spAutoFit/>
+          </a:bodyPr>
+          <a:lstStyle/>
+          <a:p>
+            <a:r>
+              <a:rPr lang="ja-JP" altLang="en-US" sz="2800" dirty="0">
+                <a:latin typeface="03スマートフォントUI" panose="02000600000000000000" pitchFamily="50" charset="-128"/>
+                <a:ea typeface="03スマートフォントUI" panose="02000600000000000000" pitchFamily="50" charset="-128"/>
+              </a:rPr>
+              <a:t>加速し</a:t>
+            </a:r>
+            <a:r>
+              <a:rPr lang="ja-JP" altLang="en-US" sz="2800" dirty="0" smtClean="0">
+                <a:latin typeface="03スマートフォントUI" panose="02000600000000000000" pitchFamily="50" charset="-128"/>
+                <a:ea typeface="03スマートフォントUI" panose="02000600000000000000" pitchFamily="50" charset="-128"/>
+              </a:rPr>
+              <a:t>、相手にぶつかると</a:t>
+            </a:r>
+            <a:endParaRPr lang="en-US" altLang="ja-JP" sz="2800" dirty="0" smtClean="0">
+              <a:latin typeface="03スマートフォントUI" panose="02000600000000000000" pitchFamily="50" charset="-128"/>
+              <a:ea typeface="03スマートフォントUI" panose="02000600000000000000" pitchFamily="50" charset="-128"/>
+            </a:endParaRPr>
+          </a:p>
+          <a:p>
+            <a:r>
+              <a:rPr lang="ja-JP" altLang="en-US" sz="2800" dirty="0" smtClean="0">
+                <a:latin typeface="03スマートフォントUI" panose="02000600000000000000" pitchFamily="50" charset="-128"/>
+                <a:ea typeface="03スマートフォントUI" panose="02000600000000000000" pitchFamily="50" charset="-128"/>
+              </a:rPr>
+              <a:t>ポイントを奪えます。</a:t>
+            </a:r>
+            <a:endParaRPr kumimoji="1" lang="ja-JP" altLang="en-US" sz="1400" dirty="0">
+              <a:latin typeface="03スマートフォントUI" panose="02000600000000000000" pitchFamily="50" charset="-128"/>
+              <a:ea typeface="03スマートフォントUI" panose="02000600000000000000" pitchFamily="50" charset="-128"/>
+            </a:endParaRPr>
+          </a:p>
+        </p:txBody>
+      </p:sp>
+      <p:pic>
+        <p:nvPicPr>
+          <p:cNvPr id="13" name="図 12"/>
+          <p:cNvPicPr>
+            <a:picLocks noChangeAspect="1"/>
+          </p:cNvPicPr>
+          <p:nvPr/>
+        </p:nvPicPr>
+        <p:blipFill>
+          <a:blip r:embed="rId6" cstate="print">
+            <a:extLst>
+              <a:ext uri="{28A0092B-C50C-407E-A947-70E740481C1C}">
+                <a14:useLocalDpi xmlns:a14="http://schemas.microsoft.com/office/drawing/2010/main" val="0"/>
+              </a:ext>
+            </a:extLst>
+          </a:blip>
+          <a:stretch>
+            <a:fillRect/>
+          </a:stretch>
+        </p:blipFill>
+        <p:spPr>
+          <a:xfrm>
+            <a:off x="5699139" y="5254164"/>
+            <a:ext cx="1285701" cy="1285701"/>
+          </a:xfrm>
+          <a:prstGeom prst="rect">
+            <a:avLst/>
+          </a:prstGeom>
+        </p:spPr>
+      </p:pic>
     </p:spTree>
     <p:extLst>
       <p:ext uri="{BB962C8B-B14F-4D97-AF65-F5344CB8AC3E}">

--- a/PSD/操作説明(人狼).pptx
+++ b/PSD/操作説明(人狼).pptx
@@ -243,7 +243,7 @@
           <a:p>
             <a:fld id="{3DE19328-0B18-4B19-9CB0-D4BB2A53BF0E}" type="datetimeFigureOut">
               <a:rPr kumimoji="1" lang="ja-JP" altLang="en-US" smtClean="0"/>
-              <a:t>2022/11/15</a:t>
+              <a:t>2022/11/16</a:t>
             </a:fld>
             <a:endParaRPr kumimoji="1" lang="ja-JP" altLang="en-US"/>
           </a:p>
@@ -445,7 +445,7 @@
           <a:p>
             <a:fld id="{3DE19328-0B18-4B19-9CB0-D4BB2A53BF0E}" type="datetimeFigureOut">
               <a:rPr kumimoji="1" lang="ja-JP" altLang="en-US" smtClean="0"/>
-              <a:t>2022/11/15</a:t>
+              <a:t>2022/11/16</a:t>
             </a:fld>
             <a:endParaRPr kumimoji="1" lang="ja-JP" altLang="en-US"/>
           </a:p>
@@ -657,7 +657,7 @@
           <a:p>
             <a:fld id="{3DE19328-0B18-4B19-9CB0-D4BB2A53BF0E}" type="datetimeFigureOut">
               <a:rPr kumimoji="1" lang="ja-JP" altLang="en-US" smtClean="0"/>
-              <a:t>2022/11/15</a:t>
+              <a:t>2022/11/16</a:t>
             </a:fld>
             <a:endParaRPr kumimoji="1" lang="ja-JP" altLang="en-US"/>
           </a:p>
@@ -859,7 +859,7 @@
           <a:p>
             <a:fld id="{3DE19328-0B18-4B19-9CB0-D4BB2A53BF0E}" type="datetimeFigureOut">
               <a:rPr kumimoji="1" lang="ja-JP" altLang="en-US" smtClean="0"/>
-              <a:t>2022/11/15</a:t>
+              <a:t>2022/11/16</a:t>
             </a:fld>
             <a:endParaRPr kumimoji="1" lang="ja-JP" altLang="en-US"/>
           </a:p>
@@ -1105,7 +1105,7 @@
           <a:p>
             <a:fld id="{3DE19328-0B18-4B19-9CB0-D4BB2A53BF0E}" type="datetimeFigureOut">
               <a:rPr kumimoji="1" lang="ja-JP" altLang="en-US" smtClean="0"/>
-              <a:t>2022/11/15</a:t>
+              <a:t>2022/11/16</a:t>
             </a:fld>
             <a:endParaRPr kumimoji="1" lang="ja-JP" altLang="en-US"/>
           </a:p>
@@ -1401,7 +1401,7 @@
           <a:p>
             <a:fld id="{3DE19328-0B18-4B19-9CB0-D4BB2A53BF0E}" type="datetimeFigureOut">
               <a:rPr kumimoji="1" lang="ja-JP" altLang="en-US" smtClean="0"/>
-              <a:t>2022/11/15</a:t>
+              <a:t>2022/11/16</a:t>
             </a:fld>
             <a:endParaRPr kumimoji="1" lang="ja-JP" altLang="en-US"/>
           </a:p>
@@ -1832,7 +1832,7 @@
           <a:p>
             <a:fld id="{3DE19328-0B18-4B19-9CB0-D4BB2A53BF0E}" type="datetimeFigureOut">
               <a:rPr kumimoji="1" lang="ja-JP" altLang="en-US" smtClean="0"/>
-              <a:t>2022/11/15</a:t>
+              <a:t>2022/11/16</a:t>
             </a:fld>
             <a:endParaRPr kumimoji="1" lang="ja-JP" altLang="en-US"/>
           </a:p>
@@ -1950,7 +1950,7 @@
           <a:p>
             <a:fld id="{3DE19328-0B18-4B19-9CB0-D4BB2A53BF0E}" type="datetimeFigureOut">
               <a:rPr kumimoji="1" lang="ja-JP" altLang="en-US" smtClean="0"/>
-              <a:t>2022/11/15</a:t>
+              <a:t>2022/11/16</a:t>
             </a:fld>
             <a:endParaRPr kumimoji="1" lang="ja-JP" altLang="en-US"/>
           </a:p>
@@ -2045,7 +2045,7 @@
           <a:p>
             <a:fld id="{3DE19328-0B18-4B19-9CB0-D4BB2A53BF0E}" type="datetimeFigureOut">
               <a:rPr kumimoji="1" lang="ja-JP" altLang="en-US" smtClean="0"/>
-              <a:t>2022/11/15</a:t>
+              <a:t>2022/11/16</a:t>
             </a:fld>
             <a:endParaRPr kumimoji="1" lang="ja-JP" altLang="en-US"/>
           </a:p>
@@ -2354,7 +2354,7 @@
           <a:p>
             <a:fld id="{3DE19328-0B18-4B19-9CB0-D4BB2A53BF0E}" type="datetimeFigureOut">
               <a:rPr kumimoji="1" lang="ja-JP" altLang="en-US" smtClean="0"/>
-              <a:t>2022/11/15</a:t>
+              <a:t>2022/11/16</a:t>
             </a:fld>
             <a:endParaRPr kumimoji="1" lang="ja-JP" altLang="en-US"/>
           </a:p>
@@ -2607,7 +2607,7 @@
           <a:p>
             <a:fld id="{3DE19328-0B18-4B19-9CB0-D4BB2A53BF0E}" type="datetimeFigureOut">
               <a:rPr kumimoji="1" lang="ja-JP" altLang="en-US" smtClean="0"/>
-              <a:t>2022/11/15</a:t>
+              <a:t>2022/11/16</a:t>
             </a:fld>
             <a:endParaRPr kumimoji="1" lang="ja-JP" altLang="en-US"/>
           </a:p>
@@ -2852,7 +2852,7 @@
           <a:p>
             <a:fld id="{3DE19328-0B18-4B19-9CB0-D4BB2A53BF0E}" type="datetimeFigureOut">
               <a:rPr kumimoji="1" lang="ja-JP" altLang="en-US" smtClean="0"/>
-              <a:t>2022/11/15</a:t>
+              <a:t>2022/11/16</a:t>
             </a:fld>
             <a:endParaRPr kumimoji="1" lang="ja-JP" altLang="en-US"/>
           </a:p>
@@ -3278,7 +3278,7 @@
         </p:nvSpPr>
         <p:spPr>
           <a:xfrm>
-            <a:off x="15885" y="-2532"/>
+            <a:off x="-2" y="-66583"/>
             <a:ext cx="12176115" cy="6924583"/>
           </a:xfrm>
           <a:prstGeom prst="rect">
@@ -3462,7 +3462,31 @@
                 <a:latin typeface="あんずもじ2020" panose="02000600000000000000" pitchFamily="2" charset="-128"/>
                 <a:ea typeface="あんずもじ2020" panose="02000600000000000000" pitchFamily="2" charset="-128"/>
               </a:rPr>
-              <a:t>ルール説明</a:t>
+              <a:t>ルール</a:t>
+            </a:r>
+            <a:r>
+              <a:rPr kumimoji="1" lang="ja-JP" altLang="en-US" sz="6000" dirty="0" smtClean="0">
+                <a:ln w="0"/>
+                <a:solidFill>
+                  <a:schemeClr val="bg1"/>
+                </a:solidFill>
+                <a:effectLst>
+                  <a:glow rad="139700">
+                    <a:schemeClr val="accent1">
+                      <a:satMod val="175000"/>
+                      <a:alpha val="40000"/>
+                    </a:schemeClr>
+                  </a:glow>
+                  <a:outerShdw blurRad="38100" dist="25400" dir="5400000" algn="ctr" rotWithShape="0">
+                    <a:srgbClr val="6E747A">
+                      <a:alpha val="43000"/>
+                    </a:srgbClr>
+                  </a:outerShdw>
+                </a:effectLst>
+                <a:latin typeface="あんずもじ2020" panose="02000600000000000000" pitchFamily="2" charset="-128"/>
+                <a:ea typeface="あんずもじ2020" panose="02000600000000000000" pitchFamily="2" charset="-128"/>
+              </a:rPr>
+              <a:t>説明</a:t>
             </a:r>
             <a:r>
               <a:rPr kumimoji="1" lang="en-US" altLang="ja-JP" sz="6000" dirty="0" smtClean="0">
@@ -3567,8 +3591,8 @@
         </p:nvSpPr>
         <p:spPr>
           <a:xfrm>
-            <a:off x="115736" y="959736"/>
-            <a:ext cx="7000142" cy="1323439"/>
+            <a:off x="127036" y="1571323"/>
+            <a:ext cx="7000142" cy="1200329"/>
           </a:xfrm>
           <a:prstGeom prst="rect">
             <a:avLst/>
@@ -3582,45 +3606,38 @@
           <a:lstStyle/>
           <a:p>
             <a:r>
-              <a:rPr lang="ja-JP" altLang="en-US" sz="4000" dirty="0">
+              <a:rPr lang="ja-JP" altLang="en-US" sz="3200" dirty="0">
                 <a:latin typeface="03スマートフォントUI" panose="02000600000000000000" pitchFamily="50" charset="-128"/>
                 <a:ea typeface="03スマートフォントUI" panose="02000600000000000000" pitchFamily="50" charset="-128"/>
               </a:rPr>
               <a:t>ゴーカート</a:t>
             </a:r>
             <a:r>
+              <a:rPr kumimoji="1" lang="ja-JP" altLang="en-US" sz="3200" dirty="0" smtClean="0">
+                <a:latin typeface="03スマートフォントUI" panose="02000600000000000000" pitchFamily="50" charset="-128"/>
+                <a:ea typeface="03スマートフォントUI" panose="02000600000000000000" pitchFamily="50" charset="-128"/>
+              </a:rPr>
+              <a:t>で風船を割って</a:t>
+            </a:r>
+            <a:endParaRPr kumimoji="1" lang="en-US" altLang="ja-JP" sz="3200" dirty="0" smtClean="0">
+              <a:latin typeface="03スマートフォントUI" panose="02000600000000000000" pitchFamily="50" charset="-128"/>
+              <a:ea typeface="03スマートフォントUI" panose="02000600000000000000" pitchFamily="50" charset="-128"/>
+            </a:endParaRPr>
+          </a:p>
+          <a:p>
+            <a:r>
+              <a:rPr kumimoji="1" lang="ja-JP" altLang="en-US" sz="3200" dirty="0" smtClean="0">
+                <a:latin typeface="03スマートフォントUI" panose="02000600000000000000" pitchFamily="50" charset="-128"/>
+                <a:ea typeface="03スマートフォントUI" panose="02000600000000000000" pitchFamily="50" charset="-128"/>
+              </a:rPr>
+              <a:t>点数を競うゲームです</a:t>
+            </a:r>
+            <a:r>
               <a:rPr kumimoji="1" lang="ja-JP" altLang="en-US" sz="4000" dirty="0" smtClean="0">
                 <a:latin typeface="03スマートフォントUI" panose="02000600000000000000" pitchFamily="50" charset="-128"/>
                 <a:ea typeface="03スマートフォントUI" panose="02000600000000000000" pitchFamily="50" charset="-128"/>
               </a:rPr>
-              <a:t>で風船を</a:t>
-            </a:r>
-            <a:r>
-              <a:rPr kumimoji="1" lang="ja-JP" altLang="en-US" sz="4000" dirty="0" smtClean="0">
-                <a:latin typeface="03スマートフォントUI" panose="02000600000000000000" pitchFamily="50" charset="-128"/>
-                <a:ea typeface="03スマートフォントUI" panose="02000600000000000000" pitchFamily="50" charset="-128"/>
-              </a:rPr>
-              <a:t>割って</a:t>
-            </a:r>
-            <a:endParaRPr kumimoji="1" lang="en-US" altLang="ja-JP" sz="4000" dirty="0" smtClean="0">
-              <a:latin typeface="03スマートフォントUI" panose="02000600000000000000" pitchFamily="50" charset="-128"/>
-              <a:ea typeface="03スマートフォントUI" panose="02000600000000000000" pitchFamily="50" charset="-128"/>
-            </a:endParaRPr>
-          </a:p>
-          <a:p>
-            <a:r>
-              <a:rPr kumimoji="1" lang="ja-JP" altLang="en-US" sz="4000" dirty="0" smtClean="0">
-                <a:latin typeface="03スマートフォントUI" panose="02000600000000000000" pitchFamily="50" charset="-128"/>
-                <a:ea typeface="03スマートフォントUI" panose="02000600000000000000" pitchFamily="50" charset="-128"/>
-              </a:rPr>
-              <a:t>点数</a:t>
-            </a:r>
-            <a:r>
-              <a:rPr kumimoji="1" lang="ja-JP" altLang="en-US" sz="4000" dirty="0" smtClean="0">
-                <a:latin typeface="03スマートフォントUI" panose="02000600000000000000" pitchFamily="50" charset="-128"/>
-                <a:ea typeface="03スマートフォントUI" panose="02000600000000000000" pitchFamily="50" charset="-128"/>
-              </a:rPr>
-              <a:t>を競うゲームです。</a:t>
+              <a:t>。</a:t>
             </a:r>
             <a:endParaRPr kumimoji="1" lang="en-US" altLang="ja-JP" sz="4000" dirty="0" smtClean="0">
               <a:latin typeface="03スマートフォントUI" panose="02000600000000000000" pitchFamily="50" charset="-128"/>
@@ -3687,8 +3704,8 @@
         </p:nvSpPr>
         <p:spPr>
           <a:xfrm>
-            <a:off x="149210" y="2239435"/>
-            <a:ext cx="5829300" cy="1785104"/>
+            <a:off x="125195" y="2657342"/>
+            <a:ext cx="5829300" cy="1538883"/>
           </a:xfrm>
           <a:prstGeom prst="rect">
             <a:avLst/>
@@ -3702,7 +3719,7 @@
           <a:lstStyle/>
           <a:p>
             <a:r>
-              <a:rPr lang="ja-JP" altLang="en-US" sz="4000" b="1" dirty="0" smtClean="0">
+              <a:rPr lang="ja-JP" altLang="en-US" sz="3200" b="1" dirty="0" smtClean="0">
                 <a:solidFill>
                   <a:srgbClr val="FF00FF"/>
                 </a:solidFill>
@@ -3712,41 +3729,41 @@
               <a:t>ピンクの風船</a:t>
             </a:r>
             <a:r>
-              <a:rPr lang="ja-JP" altLang="en-US" sz="4000" dirty="0" smtClean="0">
+              <a:rPr lang="ja-JP" altLang="en-US" sz="3200" dirty="0" smtClean="0">
                 <a:latin typeface="03スマートフォントUI" panose="02000600000000000000" pitchFamily="50" charset="-128"/>
                 <a:ea typeface="03スマートフォントUI" panose="02000600000000000000" pitchFamily="50" charset="-128"/>
               </a:rPr>
               <a:t>は</a:t>
             </a:r>
             <a:r>
-              <a:rPr lang="en-US" altLang="ja-JP" sz="4400" b="1" dirty="0" smtClean="0">
+              <a:rPr lang="en-US" altLang="ja-JP" sz="3600" b="1" dirty="0" smtClean="0">
                 <a:latin typeface="03スマートフォントUI" panose="02000600000000000000" pitchFamily="50" charset="-128"/>
                 <a:ea typeface="03スマートフォントUI" panose="02000600000000000000" pitchFamily="50" charset="-128"/>
               </a:rPr>
               <a:t>1</a:t>
             </a:r>
             <a:r>
-              <a:rPr lang="ja-JP" altLang="en-US" sz="4400" b="1" dirty="0" smtClean="0">
+              <a:rPr lang="ja-JP" altLang="en-US" sz="3600" b="1" dirty="0" smtClean="0">
                 <a:latin typeface="03スマートフォントUI" panose="02000600000000000000" pitchFamily="50" charset="-128"/>
                 <a:ea typeface="03スマートフォントUI" panose="02000600000000000000" pitchFamily="50" charset="-128"/>
               </a:rPr>
               <a:t>点</a:t>
             </a:r>
             <a:r>
-              <a:rPr lang="ja-JP" altLang="en-US" sz="4000" dirty="0" smtClean="0">
+              <a:rPr lang="ja-JP" altLang="en-US" sz="3200" dirty="0" smtClean="0">
                 <a:latin typeface="03スマートフォントUI" panose="02000600000000000000" pitchFamily="50" charset="-128"/>
                 <a:ea typeface="03スマートフォントUI" panose="02000600000000000000" pitchFamily="50" charset="-128"/>
               </a:rPr>
               <a:t>、</a:t>
             </a:r>
-            <a:endParaRPr lang="en-US" altLang="ja-JP" sz="4000" dirty="0" smtClean="0">
+            <a:endParaRPr lang="en-US" altLang="ja-JP" sz="3200" dirty="0" smtClean="0">
               <a:latin typeface="03スマートフォントUI" panose="02000600000000000000" pitchFamily="50" charset="-128"/>
               <a:ea typeface="03スマートフォントUI" panose="02000600000000000000" pitchFamily="50" charset="-128"/>
             </a:endParaRPr>
           </a:p>
           <a:p>
             <a:r>
-              <a:rPr lang="ja-JP" altLang="en-US" sz="4000" b="1" dirty="0" smtClean="0">
+              <a:rPr lang="ja-JP" altLang="en-US" sz="3200" b="1" dirty="0" smtClean="0">
                 <a:ln w="3175">
                   <a:noFill/>
                 </a:ln>
@@ -3776,74 +3793,41 @@
                 <a:latin typeface="03スマートフォントUI" panose="02000600000000000000" pitchFamily="50" charset="-128"/>
                 <a:ea typeface="03スマートフォントUI" panose="02000600000000000000" pitchFamily="50" charset="-128"/>
               </a:rPr>
-              <a:t>金色</a:t>
-            </a:r>
-            <a:r>
-              <a:rPr lang="ja-JP" altLang="en-US" sz="4000" b="1" dirty="0" smtClean="0">
-                <a:ln w="3175">
-                  <a:noFill/>
-                </a:ln>
-                <a:gradFill flip="none" rotWithShape="1">
-                  <a:gsLst>
-                    <a:gs pos="0">
-                      <a:schemeClr val="accent4">
-                        <a:lumMod val="67000"/>
-                      </a:schemeClr>
-                    </a:gs>
-                    <a:gs pos="48000">
-                      <a:schemeClr val="accent4">
-                        <a:lumMod val="97000"/>
-                        <a:lumOff val="3000"/>
-                      </a:schemeClr>
-                    </a:gs>
-                    <a:gs pos="100000">
-                      <a:schemeClr val="accent4">
-                        <a:lumMod val="60000"/>
-                        <a:lumOff val="40000"/>
-                      </a:schemeClr>
-                    </a:gs>
-                  </a:gsLst>
-                  <a:lin ang="16200000" scaled="1"/>
-                  <a:tileRect/>
-                </a:gradFill>
-                <a:latin typeface="03スマートフォントUI" panose="02000600000000000000" pitchFamily="50" charset="-128"/>
-                <a:ea typeface="03スマートフォントUI" panose="02000600000000000000" pitchFamily="50" charset="-128"/>
-              </a:rPr>
-              <a:t>の風船</a:t>
-            </a:r>
-            <a:r>
-              <a:rPr lang="ja-JP" altLang="en-US" sz="4000" dirty="0" smtClean="0">
+              <a:t>金色の風船</a:t>
+            </a:r>
+            <a:r>
+              <a:rPr lang="ja-JP" altLang="en-US" sz="3200" dirty="0" smtClean="0">
                 <a:latin typeface="03スマートフォントUI" panose="02000600000000000000" pitchFamily="50" charset="-128"/>
                 <a:ea typeface="03スマートフォントUI" panose="02000600000000000000" pitchFamily="50" charset="-128"/>
               </a:rPr>
               <a:t>は</a:t>
             </a:r>
             <a:r>
-              <a:rPr lang="en-US" altLang="ja-JP" sz="4400" b="1" dirty="0" smtClean="0">
+              <a:rPr lang="en-US" altLang="ja-JP" sz="3600" b="1" dirty="0" smtClean="0">
                 <a:latin typeface="03スマートフォントUI" panose="02000600000000000000" pitchFamily="50" charset="-128"/>
                 <a:ea typeface="03スマートフォントUI" panose="02000600000000000000" pitchFamily="50" charset="-128"/>
               </a:rPr>
               <a:t>3</a:t>
             </a:r>
             <a:r>
-              <a:rPr lang="ja-JP" altLang="en-US" sz="4400" b="1" dirty="0" smtClean="0">
+              <a:rPr lang="ja-JP" altLang="en-US" sz="3600" b="1" dirty="0" smtClean="0">
                 <a:latin typeface="03スマートフォントUI" panose="02000600000000000000" pitchFamily="50" charset="-128"/>
                 <a:ea typeface="03スマートフォントUI" panose="02000600000000000000" pitchFamily="50" charset="-128"/>
               </a:rPr>
               <a:t>点</a:t>
             </a:r>
             <a:r>
-              <a:rPr lang="ja-JP" altLang="en-US" sz="4000" dirty="0" smtClean="0">
+              <a:rPr lang="ja-JP" altLang="en-US" sz="3200" dirty="0" smtClean="0">
                 <a:latin typeface="03スマートフォントUI" panose="02000600000000000000" pitchFamily="50" charset="-128"/>
                 <a:ea typeface="03スマートフォントUI" panose="02000600000000000000" pitchFamily="50" charset="-128"/>
               </a:rPr>
               <a:t>です</a:t>
             </a:r>
             <a:r>
-              <a:rPr lang="ja-JP" altLang="en-US" sz="4800" dirty="0" smtClean="0"/>
+              <a:rPr lang="ja-JP" altLang="en-US" sz="4000" dirty="0" smtClean="0"/>
               <a:t>。</a:t>
             </a:r>
-            <a:endParaRPr lang="ja-JP" altLang="en-US" sz="4800" dirty="0"/>
+            <a:endParaRPr lang="ja-JP" altLang="en-US" sz="4000" dirty="0"/>
           </a:p>
           <a:p>
             <a:endParaRPr kumimoji="1" lang="ja-JP" altLang="en-US" dirty="0">
@@ -4275,28 +4259,7 @@
                 <a:latin typeface="03スマートフォントUI" panose="02000600000000000000" pitchFamily="50" charset="-128"/>
                 <a:ea typeface="03スマートフォントUI" panose="02000600000000000000" pitchFamily="50" charset="-128"/>
               </a:rPr>
-              <a:t>ぶつける</a:t>
-            </a:r>
-            <a:r>
-              <a:rPr kumimoji="1" lang="ja-JP" altLang="en-US" sz="2800" dirty="0" smtClean="0">
-                <a:latin typeface="03スマートフォントUI" panose="02000600000000000000" pitchFamily="50" charset="-128"/>
-                <a:ea typeface="03スマートフォントUI" panose="02000600000000000000" pitchFamily="50" charset="-128"/>
-              </a:rPr>
-              <a:t>と相手</a:t>
-            </a:r>
-            <a:r>
-              <a:rPr kumimoji="1" lang="ja-JP" altLang="en-US" sz="2800" dirty="0" smtClean="0">
-                <a:latin typeface="03スマートフォントUI" panose="02000600000000000000" pitchFamily="50" charset="-128"/>
-                <a:ea typeface="03スマートフォントUI" panose="02000600000000000000" pitchFamily="50" charset="-128"/>
-              </a:rPr>
-              <a:t>がスピン</a:t>
-            </a:r>
-            <a:r>
-              <a:rPr kumimoji="1" lang="ja-JP" altLang="en-US" sz="2800" dirty="0" smtClean="0">
-                <a:latin typeface="03スマートフォントUI" panose="02000600000000000000" pitchFamily="50" charset="-128"/>
-                <a:ea typeface="03スマートフォントUI" panose="02000600000000000000" pitchFamily="50" charset="-128"/>
-              </a:rPr>
-              <a:t>します。</a:t>
+              <a:t>ぶつけると相手がスピンします。</a:t>
             </a:r>
             <a:endParaRPr kumimoji="1" lang="ja-JP" altLang="en-US" sz="1400" dirty="0">
               <a:latin typeface="03スマートフォントUI" panose="02000600000000000000" pitchFamily="50" charset="-128"/>
@@ -4453,8 +4416,8 @@
         </p:nvSpPr>
         <p:spPr>
           <a:xfrm>
-            <a:off x="101458" y="3685885"/>
-            <a:ext cx="6403509" cy="1261884"/>
+            <a:off x="1755" y="3848258"/>
+            <a:ext cx="6403509" cy="1015663"/>
           </a:xfrm>
           <a:prstGeom prst="rect">
             <a:avLst/>
@@ -4468,7 +4431,7 @@
           <a:lstStyle/>
           <a:p>
             <a:r>
-              <a:rPr kumimoji="1" lang="ja-JP" altLang="en-US" sz="3600" dirty="0" smtClean="0">
+              <a:rPr kumimoji="1" lang="ja-JP" altLang="en-US" sz="2800" dirty="0" smtClean="0">
                 <a:solidFill>
                   <a:srgbClr val="FF0000"/>
                 </a:solidFill>
@@ -4478,20 +4441,20 @@
               <a:t>「人狼」</a:t>
             </a:r>
             <a:r>
-              <a:rPr kumimoji="1" lang="ja-JP" altLang="en-US" sz="3600" dirty="0" smtClean="0">
+              <a:rPr kumimoji="1" lang="ja-JP" altLang="en-US" sz="2800" dirty="0" smtClean="0">
                 <a:latin typeface="03スマートフォントUI" panose="02000600000000000000" pitchFamily="2" charset="-128"/>
                 <a:ea typeface="03スマートフォントUI" panose="02000600000000000000" pitchFamily="2" charset="-128"/>
               </a:rPr>
               <a:t>のまわりには金色の風船が出やすくなります</a:t>
             </a:r>
             <a:r>
-              <a:rPr kumimoji="1" lang="ja-JP" altLang="en-US" sz="4000" dirty="0" smtClean="0">
+              <a:rPr kumimoji="1" lang="ja-JP" altLang="en-US" sz="3200" dirty="0" smtClean="0">
                 <a:latin typeface="03スマートフォントUI" panose="02000600000000000000" pitchFamily="2" charset="-128"/>
                 <a:ea typeface="03スマートフォントUI" panose="02000600000000000000" pitchFamily="2" charset="-128"/>
               </a:rPr>
               <a:t>。</a:t>
             </a:r>
-            <a:endParaRPr kumimoji="1" lang="ja-JP" altLang="en-US" sz="4000" dirty="0">
+            <a:endParaRPr kumimoji="1" lang="ja-JP" altLang="en-US" sz="3200" dirty="0">
               <a:latin typeface="03スマートフォントUI" panose="02000600000000000000" pitchFamily="2" charset="-128"/>
               <a:ea typeface="03スマートフォントUI" panose="02000600000000000000" pitchFamily="2" charset="-128"/>
             </a:endParaRPr>

--- a/PSD/操作説明(人狼).pptx
+++ b/PSD/操作説明(人狼).pptx
@@ -3340,14 +3340,86 @@
       </p:sp>
       <p:sp>
         <p:nvSpPr>
+          <p:cNvPr id="15" name="角丸四角形 14"/>
+          <p:cNvSpPr/>
+          <p:nvPr/>
+        </p:nvSpPr>
+        <p:spPr>
+          <a:xfrm>
+            <a:off x="251096" y="243753"/>
+            <a:ext cx="6128745" cy="4085548"/>
+          </a:xfrm>
+          <a:prstGeom prst="roundRect">
+            <a:avLst/>
+          </a:prstGeom>
+          <a:gradFill flip="none" rotWithShape="1">
+            <a:gsLst>
+              <a:gs pos="0">
+                <a:schemeClr val="accent6">
+                  <a:tint val="66000"/>
+                  <a:satMod val="160000"/>
+                </a:schemeClr>
+              </a:gs>
+              <a:gs pos="50000">
+                <a:schemeClr val="accent6">
+                  <a:tint val="44500"/>
+                  <a:satMod val="160000"/>
+                </a:schemeClr>
+              </a:gs>
+              <a:gs pos="100000">
+                <a:schemeClr val="accent6">
+                  <a:tint val="23500"/>
+                  <a:satMod val="160000"/>
+                </a:schemeClr>
+              </a:gs>
+            </a:gsLst>
+            <a:lin ang="5400000" scaled="1"/>
+            <a:tileRect/>
+          </a:gradFill>
+          <a:ln>
+            <a:solidFill>
+              <a:schemeClr val="accent1">
+                <a:shade val="50000"/>
+                <a:alpha val="95000"/>
+              </a:schemeClr>
+            </a:solidFill>
+          </a:ln>
+        </p:spPr>
+        <p:style>
+          <a:lnRef idx="2">
+            <a:schemeClr val="accent1">
+              <a:shade val="50000"/>
+            </a:schemeClr>
+          </a:lnRef>
+          <a:fillRef idx="1">
+            <a:schemeClr val="accent1"/>
+          </a:fillRef>
+          <a:effectRef idx="0">
+            <a:schemeClr val="accent1"/>
+          </a:effectRef>
+          <a:fontRef idx="minor">
+            <a:schemeClr val="lt1"/>
+          </a:fontRef>
+        </p:style>
+        <p:txBody>
+          <a:bodyPr rtlCol="0" anchor="ctr"/>
+          <a:lstStyle/>
+          <a:p>
+            <a:pPr algn="ctr"/>
+            <a:endParaRPr kumimoji="1" lang="ja-JP" altLang="en-US"/>
+          </a:p>
+        </p:txBody>
+      </p:sp>
+      <p:sp>
+        <p:nvSpPr>
           <p:cNvPr id="14" name="角丸四角形 13"/>
           <p:cNvSpPr/>
           <p:nvPr/>
         </p:nvSpPr>
         <p:spPr>
           <a:xfrm>
-            <a:off x="6320901" y="1029797"/>
-            <a:ext cx="5737749" cy="4143878"/>
+            <a:off x="6691014" y="340256"/>
+            <a:ext cx="5090928" cy="3757848"/>
           </a:xfrm>
           <a:prstGeom prst="roundRect">
             <a:avLst/>
@@ -3419,14 +3491,14 @@
       </p:sp>
       <p:sp>
         <p:nvSpPr>
-          <p:cNvPr id="2" name="テキスト ボックス 1"/>
+          <p:cNvPr id="3" name="テキスト ボックス 2"/>
           <p:cNvSpPr txBox="1"/>
           <p:nvPr/>
         </p:nvSpPr>
         <p:spPr>
           <a:xfrm>
-            <a:off x="2244311" y="17733"/>
-            <a:ext cx="7687491" cy="1015663"/>
+            <a:off x="258755" y="655835"/>
+            <a:ext cx="7000142" cy="954107"/>
           </a:xfrm>
           <a:prstGeom prst="rect">
             <a:avLst/>
@@ -3439,207 +3511,41 @@
           </a:bodyPr>
           <a:lstStyle/>
           <a:p>
-            <a:pPr algn="ctr"/>
-            <a:r>
-              <a:rPr kumimoji="1" lang="ja-JP" altLang="en-US" sz="6000" dirty="0" smtClean="0">
-                <a:ln w="0"/>
-                <a:solidFill>
-                  <a:schemeClr val="bg1"/>
-                </a:solidFill>
-                <a:effectLst>
-                  <a:glow rad="139700">
-                    <a:schemeClr val="accent1">
-                      <a:satMod val="175000"/>
-                      <a:alpha val="40000"/>
-                    </a:schemeClr>
-                  </a:glow>
-                  <a:outerShdw blurRad="38100" dist="25400" dir="5400000" algn="ctr" rotWithShape="0">
-                    <a:srgbClr val="6E747A">
-                      <a:alpha val="43000"/>
-                    </a:srgbClr>
-                  </a:outerShdw>
-                </a:effectLst>
-                <a:latin typeface="あんずもじ2020" panose="02000600000000000000" pitchFamily="2" charset="-128"/>
-                <a:ea typeface="あんずもじ2020" panose="02000600000000000000" pitchFamily="2" charset="-128"/>
-              </a:rPr>
-              <a:t>ルール</a:t>
-            </a:r>
-            <a:r>
-              <a:rPr kumimoji="1" lang="ja-JP" altLang="en-US" sz="6000" dirty="0" smtClean="0">
-                <a:ln w="0"/>
-                <a:solidFill>
-                  <a:schemeClr val="bg1"/>
-                </a:solidFill>
-                <a:effectLst>
-                  <a:glow rad="139700">
-                    <a:schemeClr val="accent1">
-                      <a:satMod val="175000"/>
-                      <a:alpha val="40000"/>
-                    </a:schemeClr>
-                  </a:glow>
-                  <a:outerShdw blurRad="38100" dist="25400" dir="5400000" algn="ctr" rotWithShape="0">
-                    <a:srgbClr val="6E747A">
-                      <a:alpha val="43000"/>
-                    </a:srgbClr>
-                  </a:outerShdw>
-                </a:effectLst>
-                <a:latin typeface="あんずもじ2020" panose="02000600000000000000" pitchFamily="2" charset="-128"/>
-                <a:ea typeface="あんずもじ2020" panose="02000600000000000000" pitchFamily="2" charset="-128"/>
-              </a:rPr>
-              <a:t>説明</a:t>
-            </a:r>
-            <a:r>
-              <a:rPr kumimoji="1" lang="en-US" altLang="ja-JP" sz="6000" dirty="0" smtClean="0">
-                <a:ln w="0"/>
-                <a:solidFill>
-                  <a:schemeClr val="bg1"/>
-                </a:solidFill>
-                <a:effectLst>
-                  <a:glow rad="139700">
-                    <a:schemeClr val="accent1">
-                      <a:satMod val="175000"/>
-                      <a:alpha val="40000"/>
-                    </a:schemeClr>
-                  </a:glow>
-                  <a:outerShdw blurRad="38100" dist="25400" dir="5400000" algn="ctr" rotWithShape="0">
-                    <a:srgbClr val="6E747A">
-                      <a:alpha val="43000"/>
-                    </a:srgbClr>
-                  </a:outerShdw>
-                </a:effectLst>
-                <a:latin typeface="あんずもじ2020" panose="02000600000000000000" pitchFamily="2" charset="-128"/>
-                <a:ea typeface="あんずもじ2020" panose="02000600000000000000" pitchFamily="2" charset="-128"/>
-              </a:rPr>
-              <a:t>(</a:t>
-            </a:r>
-            <a:r>
-              <a:rPr kumimoji="1" lang="ja-JP" altLang="en-US" sz="6000" dirty="0" smtClean="0">
-                <a:ln w="0"/>
-                <a:solidFill>
-                  <a:schemeClr val="bg1"/>
-                </a:solidFill>
-                <a:effectLst>
-                  <a:glow rad="139700">
-                    <a:schemeClr val="accent1">
-                      <a:satMod val="175000"/>
-                      <a:alpha val="40000"/>
-                    </a:schemeClr>
-                  </a:glow>
-                  <a:outerShdw blurRad="38100" dist="25400" dir="5400000" algn="ctr" rotWithShape="0">
-                    <a:srgbClr val="6E747A">
-                      <a:alpha val="43000"/>
-                    </a:srgbClr>
-                  </a:outerShdw>
-                </a:effectLst>
-                <a:latin typeface="あんずもじ2020" panose="02000600000000000000" pitchFamily="2" charset="-128"/>
-                <a:ea typeface="あんずもじ2020" panose="02000600000000000000" pitchFamily="2" charset="-128"/>
-              </a:rPr>
-              <a:t>人狼モード</a:t>
-            </a:r>
-            <a:r>
-              <a:rPr kumimoji="1" lang="en-US" altLang="ja-JP" sz="6000" dirty="0" smtClean="0">
-                <a:ln w="0"/>
-                <a:solidFill>
-                  <a:schemeClr val="bg1"/>
-                </a:solidFill>
-                <a:effectLst>
-                  <a:glow rad="139700">
-                    <a:schemeClr val="accent1">
-                      <a:satMod val="175000"/>
-                      <a:alpha val="40000"/>
-                    </a:schemeClr>
-                  </a:glow>
-                  <a:outerShdw blurRad="38100" dist="25400" dir="5400000" algn="ctr" rotWithShape="0">
-                    <a:srgbClr val="6E747A">
-                      <a:alpha val="43000"/>
-                    </a:srgbClr>
-                  </a:outerShdw>
-                </a:effectLst>
-                <a:latin typeface="あんずもじ2020" panose="02000600000000000000" pitchFamily="2" charset="-128"/>
-                <a:ea typeface="あんずもじ2020" panose="02000600000000000000" pitchFamily="2" charset="-128"/>
-              </a:rPr>
-              <a:t>)</a:t>
-            </a:r>
-            <a:endParaRPr kumimoji="1" lang="ja-JP" altLang="en-US" b="1" dirty="0">
-              <a:solidFill>
-                <a:schemeClr val="bg1"/>
-              </a:solidFill>
-              <a:effectLst>
-                <a:glow rad="139700">
-                  <a:schemeClr val="accent1">
-                    <a:satMod val="175000"/>
-                    <a:alpha val="40000"/>
-                  </a:schemeClr>
-                </a:glow>
-                <a:outerShdw blurRad="38100" dist="25400" dir="5400000" algn="ctr" rotWithShape="0">
-                  <a:srgbClr val="6E747A">
-                    <a:alpha val="43000"/>
-                  </a:srgbClr>
-                </a:outerShdw>
-              </a:effectLst>
-              <a:latin typeface="あんずもじ2020" panose="02000600000000000000" pitchFamily="2" charset="-128"/>
-              <a:ea typeface="あんずもじ2020" panose="02000600000000000000" pitchFamily="2" charset="-128"/>
-            </a:endParaRPr>
-          </a:p>
-        </p:txBody>
-      </p:sp>
-      <p:sp>
-        <p:nvSpPr>
-          <p:cNvPr id="3" name="テキスト ボックス 2"/>
-          <p:cNvSpPr txBox="1"/>
-          <p:nvPr/>
-        </p:nvSpPr>
-        <p:spPr>
-          <a:xfrm>
-            <a:off x="127036" y="1571323"/>
-            <a:ext cx="7000142" cy="1200329"/>
-          </a:xfrm>
-          <a:prstGeom prst="rect">
-            <a:avLst/>
-          </a:prstGeom>
-          <a:noFill/>
-        </p:spPr>
-        <p:txBody>
-          <a:bodyPr wrap="square" rtlCol="0">
-            <a:spAutoFit/>
-          </a:bodyPr>
-          <a:lstStyle/>
-          <a:p>
-            <a:r>
-              <a:rPr lang="ja-JP" altLang="en-US" sz="3200" dirty="0">
+            <a:r>
+              <a:rPr lang="ja-JP" altLang="en-US" sz="2400" dirty="0">
                 <a:latin typeface="03スマートフォントUI" panose="02000600000000000000" pitchFamily="50" charset="-128"/>
                 <a:ea typeface="03スマートフォントUI" panose="02000600000000000000" pitchFamily="50" charset="-128"/>
               </a:rPr>
               <a:t>ゴーカート</a:t>
             </a:r>
             <a:r>
+              <a:rPr kumimoji="1" lang="ja-JP" altLang="en-US" sz="2400" dirty="0" smtClean="0">
+                <a:latin typeface="03スマートフォントUI" panose="02000600000000000000" pitchFamily="50" charset="-128"/>
+                <a:ea typeface="03スマートフォントUI" panose="02000600000000000000" pitchFamily="50" charset="-128"/>
+              </a:rPr>
+              <a:t>で風船を割って</a:t>
+            </a:r>
+            <a:endParaRPr kumimoji="1" lang="en-US" altLang="ja-JP" sz="2400" dirty="0" smtClean="0">
+              <a:latin typeface="03スマートフォントUI" panose="02000600000000000000" pitchFamily="50" charset="-128"/>
+              <a:ea typeface="03スマートフォントUI" panose="02000600000000000000" pitchFamily="50" charset="-128"/>
+            </a:endParaRPr>
+          </a:p>
+          <a:p>
+            <a:r>
+              <a:rPr kumimoji="1" lang="ja-JP" altLang="en-US" sz="2400" dirty="0" smtClean="0">
+                <a:latin typeface="03スマートフォントUI" panose="02000600000000000000" pitchFamily="50" charset="-128"/>
+                <a:ea typeface="03スマートフォントUI" panose="02000600000000000000" pitchFamily="50" charset="-128"/>
+              </a:rPr>
+              <a:t>点数を競うゲームです</a:t>
+            </a:r>
+            <a:r>
               <a:rPr kumimoji="1" lang="ja-JP" altLang="en-US" sz="3200" dirty="0" smtClean="0">
                 <a:latin typeface="03スマートフォントUI" panose="02000600000000000000" pitchFamily="50" charset="-128"/>
                 <a:ea typeface="03スマートフォントUI" panose="02000600000000000000" pitchFamily="50" charset="-128"/>
               </a:rPr>
-              <a:t>で風船を割って</a:t>
+              <a:t>。</a:t>
             </a:r>
             <a:endParaRPr kumimoji="1" lang="en-US" altLang="ja-JP" sz="3200" dirty="0" smtClean="0">
-              <a:latin typeface="03スマートフォントUI" panose="02000600000000000000" pitchFamily="50" charset="-128"/>
-              <a:ea typeface="03スマートフォントUI" panose="02000600000000000000" pitchFamily="50" charset="-128"/>
-            </a:endParaRPr>
-          </a:p>
-          <a:p>
-            <a:r>
-              <a:rPr kumimoji="1" lang="ja-JP" altLang="en-US" sz="3200" dirty="0" smtClean="0">
-                <a:latin typeface="03スマートフォントUI" panose="02000600000000000000" pitchFamily="50" charset="-128"/>
-                <a:ea typeface="03スマートフォントUI" panose="02000600000000000000" pitchFamily="50" charset="-128"/>
-              </a:rPr>
-              <a:t>点数を競うゲームです</a:t>
-            </a:r>
-            <a:r>
-              <a:rPr kumimoji="1" lang="ja-JP" altLang="en-US" sz="4000" dirty="0" smtClean="0">
-                <a:latin typeface="03スマートフォントUI" panose="02000600000000000000" pitchFamily="50" charset="-128"/>
-                <a:ea typeface="03スマートフォントUI" panose="02000600000000000000" pitchFamily="50" charset="-128"/>
-              </a:rPr>
-              <a:t>。</a:t>
-            </a:r>
-            <a:endParaRPr kumimoji="1" lang="en-US" altLang="ja-JP" sz="4000" dirty="0" smtClean="0">
               <a:latin typeface="03スマートフォントUI" panose="02000600000000000000" pitchFamily="50" charset="-128"/>
               <a:ea typeface="03スマートフォントUI" panose="02000600000000000000" pitchFamily="50" charset="-128"/>
             </a:endParaRPr>
@@ -3678,8 +3584,8 @@
         </p:blipFill>
         <p:spPr bwMode="auto">
           <a:xfrm>
-            <a:off x="7215728" y="2042381"/>
-            <a:ext cx="3936990" cy="3464448"/>
+            <a:off x="7476295" y="1390969"/>
+            <a:ext cx="3367645" cy="2963439"/>
           </a:xfrm>
           <a:prstGeom prst="rect">
             <a:avLst/>
@@ -3704,8 +3610,8 @@
         </p:nvSpPr>
         <p:spPr>
           <a:xfrm>
-            <a:off x="125195" y="2657342"/>
-            <a:ext cx="5829300" cy="1538883"/>
+            <a:off x="258755" y="1531273"/>
+            <a:ext cx="5829300" cy="1292662"/>
           </a:xfrm>
           <a:prstGeom prst="rect">
             <a:avLst/>
@@ -3719,7 +3625,7 @@
           <a:lstStyle/>
           <a:p>
             <a:r>
-              <a:rPr lang="ja-JP" altLang="en-US" sz="3200" b="1" dirty="0" smtClean="0">
+              <a:rPr lang="ja-JP" altLang="en-US" sz="2400" b="1" dirty="0" smtClean="0">
                 <a:solidFill>
                   <a:srgbClr val="FF00FF"/>
                 </a:solidFill>
@@ -3729,41 +3635,41 @@
               <a:t>ピンクの風船</a:t>
             </a:r>
             <a:r>
-              <a:rPr lang="ja-JP" altLang="en-US" sz="3200" dirty="0" smtClean="0">
+              <a:rPr lang="ja-JP" altLang="en-US" sz="2400" dirty="0" smtClean="0">
                 <a:latin typeface="03スマートフォントUI" panose="02000600000000000000" pitchFamily="50" charset="-128"/>
                 <a:ea typeface="03スマートフォントUI" panose="02000600000000000000" pitchFamily="50" charset="-128"/>
               </a:rPr>
               <a:t>は</a:t>
             </a:r>
             <a:r>
-              <a:rPr lang="en-US" altLang="ja-JP" sz="3600" b="1" dirty="0" smtClean="0">
+              <a:rPr lang="en-US" altLang="ja-JP" sz="2800" b="1" dirty="0" smtClean="0">
                 <a:latin typeface="03スマートフォントUI" panose="02000600000000000000" pitchFamily="50" charset="-128"/>
                 <a:ea typeface="03スマートフォントUI" panose="02000600000000000000" pitchFamily="50" charset="-128"/>
               </a:rPr>
               <a:t>1</a:t>
             </a:r>
             <a:r>
-              <a:rPr lang="ja-JP" altLang="en-US" sz="3600" b="1" dirty="0" smtClean="0">
+              <a:rPr lang="ja-JP" altLang="en-US" sz="2800" b="1" dirty="0" smtClean="0">
                 <a:latin typeface="03スマートフォントUI" panose="02000600000000000000" pitchFamily="50" charset="-128"/>
                 <a:ea typeface="03スマートフォントUI" panose="02000600000000000000" pitchFamily="50" charset="-128"/>
               </a:rPr>
               <a:t>点</a:t>
             </a:r>
             <a:r>
-              <a:rPr lang="ja-JP" altLang="en-US" sz="3200" dirty="0" smtClean="0">
+              <a:rPr lang="ja-JP" altLang="en-US" sz="2400" dirty="0" smtClean="0">
                 <a:latin typeface="03スマートフォントUI" panose="02000600000000000000" pitchFamily="50" charset="-128"/>
                 <a:ea typeface="03スマートフォントUI" panose="02000600000000000000" pitchFamily="50" charset="-128"/>
               </a:rPr>
               <a:t>、</a:t>
             </a:r>
-            <a:endParaRPr lang="en-US" altLang="ja-JP" sz="3200" dirty="0" smtClean="0">
+            <a:endParaRPr lang="en-US" altLang="ja-JP" sz="2400" dirty="0" smtClean="0">
               <a:latin typeface="03スマートフォントUI" panose="02000600000000000000" pitchFamily="50" charset="-128"/>
               <a:ea typeface="03スマートフォントUI" panose="02000600000000000000" pitchFamily="50" charset="-128"/>
             </a:endParaRPr>
           </a:p>
           <a:p>
             <a:r>
-              <a:rPr lang="ja-JP" altLang="en-US" sz="3200" b="1" dirty="0" smtClean="0">
+              <a:rPr lang="ja-JP" altLang="en-US" sz="2400" b="1" dirty="0" smtClean="0">
                 <a:ln w="3175">
                   <a:noFill/>
                 </a:ln>
@@ -3796,38 +3702,38 @@
               <a:t>金色の風船</a:t>
             </a:r>
             <a:r>
-              <a:rPr lang="ja-JP" altLang="en-US" sz="3200" dirty="0" smtClean="0">
+              <a:rPr lang="ja-JP" altLang="en-US" sz="2400" dirty="0" smtClean="0">
                 <a:latin typeface="03スマートフォントUI" panose="02000600000000000000" pitchFamily="50" charset="-128"/>
                 <a:ea typeface="03スマートフォントUI" panose="02000600000000000000" pitchFamily="50" charset="-128"/>
               </a:rPr>
               <a:t>は</a:t>
             </a:r>
             <a:r>
-              <a:rPr lang="en-US" altLang="ja-JP" sz="3600" b="1" dirty="0" smtClean="0">
+              <a:rPr lang="en-US" altLang="ja-JP" sz="2800" b="1" dirty="0" smtClean="0">
                 <a:latin typeface="03スマートフォントUI" panose="02000600000000000000" pitchFamily="50" charset="-128"/>
                 <a:ea typeface="03スマートフォントUI" panose="02000600000000000000" pitchFamily="50" charset="-128"/>
               </a:rPr>
               <a:t>3</a:t>
             </a:r>
             <a:r>
-              <a:rPr lang="ja-JP" altLang="en-US" sz="3600" b="1" dirty="0" smtClean="0">
+              <a:rPr lang="ja-JP" altLang="en-US" sz="2800" b="1" dirty="0" smtClean="0">
                 <a:latin typeface="03スマートフォントUI" panose="02000600000000000000" pitchFamily="50" charset="-128"/>
                 <a:ea typeface="03スマートフォントUI" panose="02000600000000000000" pitchFamily="50" charset="-128"/>
               </a:rPr>
               <a:t>点</a:t>
             </a:r>
             <a:r>
-              <a:rPr lang="ja-JP" altLang="en-US" sz="3200" dirty="0" smtClean="0">
+              <a:rPr lang="ja-JP" altLang="en-US" sz="2400" dirty="0" smtClean="0">
                 <a:latin typeface="03スマートフォントUI" panose="02000600000000000000" pitchFamily="50" charset="-128"/>
                 <a:ea typeface="03スマートフォントUI" panose="02000600000000000000" pitchFamily="50" charset="-128"/>
               </a:rPr>
               <a:t>です</a:t>
             </a:r>
             <a:r>
-              <a:rPr lang="ja-JP" altLang="en-US" sz="4000" dirty="0" smtClean="0"/>
+              <a:rPr lang="ja-JP" altLang="en-US" sz="3200" dirty="0" smtClean="0"/>
               <a:t>。</a:t>
             </a:r>
-            <a:endParaRPr lang="ja-JP" altLang="en-US" sz="4000" dirty="0"/>
+            <a:endParaRPr lang="ja-JP" altLang="en-US" sz="3200" dirty="0"/>
           </a:p>
           <a:p>
             <a:endParaRPr kumimoji="1" lang="ja-JP" altLang="en-US" dirty="0">
@@ -3866,8 +3772,8 @@
         </p:nvSpPr>
         <p:spPr>
           <a:xfrm>
-            <a:off x="7495833" y="4353706"/>
-            <a:ext cx="2362200" cy="707886"/>
+            <a:off x="8196215" y="3229845"/>
+            <a:ext cx="1648167" cy="523220"/>
           </a:xfrm>
           <a:prstGeom prst="rect">
             <a:avLst/>
@@ -3881,13 +3787,13 @@
           <a:lstStyle/>
           <a:p>
             <a:r>
-              <a:rPr kumimoji="1" lang="ja-JP" altLang="en-US" sz="4000" dirty="0" smtClean="0">
+              <a:rPr kumimoji="1" lang="ja-JP" altLang="en-US" sz="2800" dirty="0" smtClean="0">
                 <a:latin typeface="03スマートフォントUI" panose="02000600000000000000" pitchFamily="50" charset="-128"/>
                 <a:ea typeface="03スマートフォントUI" panose="02000600000000000000" pitchFamily="50" charset="-128"/>
               </a:rPr>
               <a:t>アクセル</a:t>
             </a:r>
-            <a:endParaRPr kumimoji="1" lang="ja-JP" altLang="en-US" dirty="0">
+            <a:endParaRPr kumimoji="1" lang="ja-JP" altLang="en-US" sz="1200" dirty="0">
               <a:latin typeface="03スマートフォントUI" panose="02000600000000000000" pitchFamily="50" charset="-128"/>
               <a:ea typeface="03スマートフォントUI" panose="02000600000000000000" pitchFamily="50" charset="-128"/>
             </a:endParaRPr>
@@ -3902,8 +3808,8 @@
         </p:nvSpPr>
         <p:spPr>
           <a:xfrm>
-            <a:off x="10380891" y="2042381"/>
-            <a:ext cx="1862504" cy="707886"/>
+            <a:off x="10496489" y="1204346"/>
+            <a:ext cx="1284367" cy="523220"/>
           </a:xfrm>
           <a:prstGeom prst="rect">
             <a:avLst/>
@@ -3917,13 +3823,13 @@
           <a:lstStyle/>
           <a:p>
             <a:r>
-              <a:rPr kumimoji="1" lang="ja-JP" altLang="en-US" sz="4000" dirty="0" smtClean="0">
+              <a:rPr kumimoji="1" lang="ja-JP" altLang="en-US" sz="2800" dirty="0" smtClean="0">
                 <a:latin typeface="03スマートフォントUI" panose="02000600000000000000" pitchFamily="50" charset="-128"/>
                 <a:ea typeface="03スマートフォントUI" panose="02000600000000000000" pitchFamily="50" charset="-128"/>
               </a:rPr>
               <a:t>バック</a:t>
             </a:r>
-            <a:endParaRPr kumimoji="1" lang="ja-JP" altLang="en-US" dirty="0">
+            <a:endParaRPr kumimoji="1" lang="ja-JP" altLang="en-US" sz="1200" dirty="0">
               <a:latin typeface="03スマートフォントUI" panose="02000600000000000000" pitchFamily="50" charset="-128"/>
               <a:ea typeface="03スマートフォントUI" panose="02000600000000000000" pitchFamily="50" charset="-128"/>
             </a:endParaRPr>
@@ -3938,7 +3844,7 @@
         </p:nvSpPr>
         <p:spPr>
           <a:xfrm>
-            <a:off x="7929945" y="1204055"/>
+            <a:off x="8132039" y="576658"/>
             <a:ext cx="909861" cy="469314"/>
           </a:xfrm>
           <a:prstGeom prst="flowChartManualInput">
@@ -3988,7 +3894,7 @@
         </p:nvSpPr>
         <p:spPr>
           <a:xfrm>
-            <a:off x="8746775" y="1238836"/>
+            <a:off x="9052215" y="539702"/>
             <a:ext cx="3400425" cy="523220"/>
           </a:xfrm>
           <a:prstGeom prst="rect">
@@ -4024,8 +3930,8 @@
         </p:nvSpPr>
         <p:spPr>
           <a:xfrm>
-            <a:off x="6407811" y="2749593"/>
-            <a:ext cx="1296984" cy="707886"/>
+            <a:off x="6765222" y="1876060"/>
+            <a:ext cx="975761" cy="523220"/>
           </a:xfrm>
           <a:prstGeom prst="rect">
             <a:avLst/>
@@ -4039,13 +3945,13 @@
           <a:lstStyle/>
           <a:p>
             <a:r>
-              <a:rPr lang="ja-JP" altLang="en-US" sz="4000" dirty="0">
+              <a:rPr lang="ja-JP" altLang="en-US" sz="2800" dirty="0">
                 <a:latin typeface="03スマートフォントUI" panose="02000600000000000000" pitchFamily="50" charset="-128"/>
                 <a:ea typeface="03スマートフォントUI" panose="02000600000000000000" pitchFamily="50" charset="-128"/>
               </a:rPr>
               <a:t>移動</a:t>
             </a:r>
-            <a:endParaRPr kumimoji="1" lang="ja-JP" altLang="en-US" dirty="0">
+            <a:endParaRPr kumimoji="1" lang="ja-JP" altLang="en-US" sz="1200" dirty="0">
               <a:latin typeface="03スマートフォントUI" panose="02000600000000000000" pitchFamily="50" charset="-128"/>
               <a:ea typeface="03スマートフォントUI" panose="02000600000000000000" pitchFamily="50" charset="-128"/>
             </a:endParaRPr>
@@ -4060,8 +3966,8 @@
         </p:nvSpPr>
         <p:spPr>
           <a:xfrm>
-            <a:off x="123440" y="5173675"/>
-            <a:ext cx="12068559" cy="1603341"/>
+            <a:off x="127267" y="4849445"/>
+            <a:ext cx="11271886" cy="1603341"/>
           </a:xfrm>
           <a:prstGeom prst="roundRect">
             <a:avLst/>
@@ -4172,7 +4078,7 @@
         </p:blipFill>
         <p:spPr>
           <a:xfrm>
-            <a:off x="156843" y="5188910"/>
+            <a:off x="165945" y="4864680"/>
             <a:ext cx="1464079" cy="1424181"/>
           </a:xfrm>
           <a:prstGeom prst="rect">
@@ -4188,7 +4094,7 @@
         </p:nvSpPr>
         <p:spPr>
           <a:xfrm>
-            <a:off x="1610078" y="5145134"/>
+            <a:off x="1619180" y="4820904"/>
             <a:ext cx="2375675" cy="707368"/>
           </a:xfrm>
           <a:prstGeom prst="rect">
@@ -4240,7 +4146,7 @@
         </p:nvSpPr>
         <p:spPr>
           <a:xfrm>
-            <a:off x="1470537" y="5732549"/>
+            <a:off x="1479639" y="5408319"/>
             <a:ext cx="4149213" cy="954107"/>
           </a:xfrm>
           <a:prstGeom prst="rect">
@@ -4276,8 +4182,8 @@
         </p:nvCxnSpPr>
         <p:spPr>
           <a:xfrm flipV="1">
-            <a:off x="9559490" y="3501224"/>
-            <a:ext cx="680490" cy="1083737"/>
+            <a:off x="9194180" y="2608251"/>
+            <a:ext cx="854306" cy="541868"/>
           </a:xfrm>
           <a:prstGeom prst="straightConnector1">
             <a:avLst/>
@@ -4304,15 +4210,13 @@
       <p:cxnSp>
         <p:nvCxnSpPr>
           <p:cNvPr id="25" name="直線矢印コネクタ 24"/>
-          <p:cNvCxnSpPr>
-            <a:stCxn id="10" idx="2"/>
-          </p:cNvCxnSpPr>
+          <p:cNvCxnSpPr/>
           <p:nvPr/>
         </p:nvCxnSpPr>
         <p:spPr>
           <a:xfrm flipH="1">
-            <a:off x="10668605" y="2750267"/>
-            <a:ext cx="643538" cy="550932"/>
+            <a:off x="10356664" y="1716780"/>
+            <a:ext cx="354470" cy="735598"/>
           </a:xfrm>
           <a:prstGeom prst="straightConnector1">
             <a:avLst/>
@@ -4344,7 +4248,7 @@
         </p:nvCxnSpPr>
         <p:spPr>
           <a:xfrm flipV="1">
-            <a:off x="7542997" y="2661203"/>
+            <a:off x="7659625" y="1820908"/>
             <a:ext cx="925333" cy="312557"/>
           </a:xfrm>
           <a:prstGeom prst="straightConnector1">
@@ -4380,7 +4284,7 @@
         </p:nvCxnSpPr>
         <p:spPr>
           <a:xfrm flipH="1">
-            <a:off x="8839806" y="1742438"/>
+            <a:off x="8956490" y="1052897"/>
             <a:ext cx="635153" cy="520627"/>
           </a:xfrm>
           <a:prstGeom prst="straightConnector1">
@@ -4416,8 +4320,8 @@
         </p:nvSpPr>
         <p:spPr>
           <a:xfrm>
-            <a:off x="1755" y="3848258"/>
-            <a:ext cx="6403509" cy="1015663"/>
+            <a:off x="286258" y="3106493"/>
+            <a:ext cx="5874990" cy="892552"/>
           </a:xfrm>
           <a:prstGeom prst="rect">
             <a:avLst/>
@@ -4431,30 +4335,58 @@
           <a:lstStyle/>
           <a:p>
             <a:r>
-              <a:rPr kumimoji="1" lang="ja-JP" altLang="en-US" sz="2800" dirty="0" smtClean="0">
+              <a:rPr kumimoji="1" lang="ja-JP" altLang="en-US" sz="2400" u="sng" dirty="0" smtClean="0">
                 <a:solidFill>
                   <a:srgbClr val="FF0000"/>
                 </a:solidFill>
+                <a:effectLst>
+                  <a:outerShdw blurRad="38100" dist="38100" dir="2700000" algn="tl">
+                    <a:srgbClr val="000000">
+                      <a:alpha val="43137"/>
+                    </a:srgbClr>
+                  </a:outerShdw>
+                </a:effectLst>
                 <a:latin typeface="源暎Nuゴシック EB" panose="02000903000000000000" pitchFamily="2" charset="-128"/>
                 <a:ea typeface="源暎Nuゴシック EB" panose="02000903000000000000" pitchFamily="2" charset="-128"/>
               </a:rPr>
               <a:t>「人狼」</a:t>
             </a:r>
             <a:r>
-              <a:rPr kumimoji="1" lang="ja-JP" altLang="en-US" sz="2800" dirty="0" smtClean="0">
+              <a:rPr kumimoji="1" lang="ja-JP" altLang="en-US" sz="2400" u="sng" dirty="0" smtClean="0">
+                <a:effectLst>
+                  <a:outerShdw blurRad="38100" dist="38100" dir="2700000" algn="tl">
+                    <a:srgbClr val="000000">
+                      <a:alpha val="43137"/>
+                    </a:srgbClr>
+                  </a:outerShdw>
+                </a:effectLst>
                 <a:latin typeface="03スマートフォントUI" panose="02000600000000000000" pitchFamily="2" charset="-128"/>
                 <a:ea typeface="03スマートフォントUI" panose="02000600000000000000" pitchFamily="2" charset="-128"/>
               </a:rPr>
               <a:t>のまわりには金色の風船が出やすくなります</a:t>
             </a:r>
             <a:r>
-              <a:rPr kumimoji="1" lang="ja-JP" altLang="en-US" sz="3200" dirty="0" smtClean="0">
+              <a:rPr kumimoji="1" lang="ja-JP" altLang="en-US" sz="2800" u="sng" dirty="0" smtClean="0">
+                <a:effectLst>
+                  <a:outerShdw blurRad="38100" dist="38100" dir="2700000" algn="tl">
+                    <a:srgbClr val="000000">
+                      <a:alpha val="43137"/>
+                    </a:srgbClr>
+                  </a:outerShdw>
+                </a:effectLst>
                 <a:latin typeface="03スマートフォントUI" panose="02000600000000000000" pitchFamily="2" charset="-128"/>
                 <a:ea typeface="03スマートフォントUI" panose="02000600000000000000" pitchFamily="2" charset="-128"/>
               </a:rPr>
               <a:t>。</a:t>
             </a:r>
-            <a:endParaRPr kumimoji="1" lang="ja-JP" altLang="en-US" sz="3200" dirty="0">
+            <a:endParaRPr kumimoji="1" lang="ja-JP" altLang="en-US" sz="2800" u="sng" dirty="0">
+              <a:effectLst>
+                <a:outerShdw blurRad="38100" dist="38100" dir="2700000" algn="tl">
+                  <a:srgbClr val="000000">
+                    <a:alpha val="43137"/>
+                  </a:srgbClr>
+                </a:outerShdw>
+              </a:effectLst>
               <a:latin typeface="03スマートフォントUI" panose="02000600000000000000" pitchFamily="2" charset="-128"/>
               <a:ea typeface="03スマートフォントUI" panose="02000600000000000000" pitchFamily="2" charset="-128"/>
             </a:endParaRPr>
@@ -4469,7 +4401,7 @@
         </p:nvSpPr>
         <p:spPr>
           <a:xfrm>
-            <a:off x="7036235" y="5173675"/>
+            <a:off x="7045337" y="4849445"/>
             <a:ext cx="2375675" cy="707368"/>
           </a:xfrm>
           <a:prstGeom prst="rect">
@@ -4521,8 +4453,8 @@
         </p:nvSpPr>
         <p:spPr>
           <a:xfrm>
-            <a:off x="6986196" y="5732548"/>
-            <a:ext cx="5146588" cy="954107"/>
+            <a:off x="6995298" y="5408318"/>
+            <a:ext cx="4527298" cy="954107"/>
           </a:xfrm>
           <a:prstGeom prst="rect">
             <a:avLst/>
@@ -4591,7 +4523,7 @@
         </p:blipFill>
         <p:spPr>
           <a:xfrm>
-            <a:off x="5699139" y="5254164"/>
+            <a:off x="5708241" y="4929934"/>
             <a:ext cx="1285701" cy="1285701"/>
           </a:xfrm>
           <a:prstGeom prst="rect">
@@ -4599,6 +4531,184 @@
           </a:prstGeom>
         </p:spPr>
       </p:pic>
+      <p:sp>
+        <p:nvSpPr>
+          <p:cNvPr id="23" name="テキスト ボックス 22"/>
+          <p:cNvSpPr txBox="1"/>
+          <p:nvPr/>
+        </p:nvSpPr>
+        <p:spPr>
+          <a:xfrm>
+            <a:off x="428805" y="-38617"/>
+            <a:ext cx="2402437" cy="769441"/>
+          </a:xfrm>
+          <a:prstGeom prst="rect">
+            <a:avLst/>
+          </a:prstGeom>
+          <a:noFill/>
+        </p:spPr>
+        <p:txBody>
+          <a:bodyPr wrap="square" rtlCol="0">
+            <a:spAutoFit/>
+            <a:scene3d>
+              <a:camera prst="orthographicFront"/>
+              <a:lightRig rig="soft" dir="t">
+                <a:rot lat="0" lon="0" rev="15600000"/>
+              </a:lightRig>
+            </a:scene3d>
+            <a:sp3d extrusionH="57150" prstMaterial="softEdge">
+              <a:bevelT w="25400" h="38100"/>
+            </a:sp3d>
+          </a:bodyPr>
+          <a:lstStyle/>
+          <a:p>
+            <a:r>
+              <a:rPr kumimoji="1" lang="ja-JP" altLang="en-US" sz="4400" b="1" dirty="0" smtClean="0">
+                <a:ln w="28575">
+                  <a:solidFill>
+                    <a:schemeClr val="tx1"/>
+                  </a:solidFill>
+                  <a:prstDash val="solid"/>
+                </a:ln>
+                <a:solidFill>
+                  <a:srgbClr val="FFFFFF"/>
+                </a:solidFill>
+                <a:effectLst>
+                  <a:glow rad="228600">
+                    <a:schemeClr val="accent4">
+                      <a:satMod val="175000"/>
+                      <a:alpha val="40000"/>
+                    </a:schemeClr>
+                  </a:glow>
+                  <a:outerShdw blurRad="38100" dist="22860" dir="5400000" algn="tl" rotWithShape="0">
+                    <a:srgbClr val="000000">
+                      <a:alpha val="30000"/>
+                    </a:srgbClr>
+                  </a:outerShdw>
+                </a:effectLst>
+                <a:latin typeface="源暎Nuゴシック EB" panose="02000903000000000000" pitchFamily="2" charset="-128"/>
+                <a:ea typeface="源暎Nuゴシック EB" panose="02000903000000000000" pitchFamily="2" charset="-128"/>
+              </a:rPr>
+              <a:t>ルール</a:t>
+            </a:r>
+            <a:endParaRPr kumimoji="1" lang="ja-JP" altLang="en-US" sz="4400" b="1" dirty="0">
+              <a:ln w="28575">
+                <a:solidFill>
+                  <a:schemeClr val="tx1"/>
+                </a:solidFill>
+                <a:prstDash val="solid"/>
+              </a:ln>
+              <a:solidFill>
+                <a:schemeClr val="accent4"/>
+              </a:solidFill>
+              <a:effectLst>
+                <a:glow rad="228600">
+                  <a:schemeClr val="accent4">
+                    <a:satMod val="175000"/>
+                    <a:alpha val="40000"/>
+                  </a:schemeClr>
+                </a:glow>
+                <a:outerShdw blurRad="38100" dist="22860" dir="5400000" algn="tl" rotWithShape="0">
+                  <a:srgbClr val="000000">
+                    <a:alpha val="30000"/>
+                  </a:srgbClr>
+                </a:outerShdw>
+              </a:effectLst>
+              <a:latin typeface="源暎Nuゴシック EB" panose="02000903000000000000" pitchFamily="2" charset="-128"/>
+              <a:ea typeface="源暎Nuゴシック EB" panose="02000903000000000000" pitchFamily="2" charset="-128"/>
+            </a:endParaRPr>
+          </a:p>
+        </p:txBody>
+      </p:sp>
+      <p:sp>
+        <p:nvSpPr>
+          <p:cNvPr id="33" name="テキスト ボックス 32"/>
+          <p:cNvSpPr txBox="1"/>
+          <p:nvPr/>
+        </p:nvSpPr>
+        <p:spPr>
+          <a:xfrm>
+            <a:off x="428805" y="2410391"/>
+            <a:ext cx="3592523" cy="769441"/>
+          </a:xfrm>
+          <a:prstGeom prst="rect">
+            <a:avLst/>
+          </a:prstGeom>
+          <a:noFill/>
+        </p:spPr>
+        <p:txBody>
+          <a:bodyPr wrap="square" rtlCol="0">
+            <a:spAutoFit/>
+            <a:scene3d>
+              <a:camera prst="orthographicFront"/>
+              <a:lightRig rig="soft" dir="t">
+                <a:rot lat="0" lon="0" rev="15600000"/>
+              </a:lightRig>
+            </a:scene3d>
+            <a:sp3d extrusionH="57150" prstMaterial="softEdge">
+              <a:bevelT w="25400" h="38100"/>
+            </a:sp3d>
+          </a:bodyPr>
+          <a:lstStyle/>
+          <a:p>
+            <a:r>
+              <a:rPr kumimoji="1" lang="ja-JP" altLang="en-US" sz="4400" b="1" dirty="0" smtClean="0">
+                <a:ln w="28575">
+                  <a:solidFill>
+                    <a:schemeClr val="tx1"/>
+                  </a:solidFill>
+                  <a:prstDash val="solid"/>
+                </a:ln>
+                <a:solidFill>
+                  <a:srgbClr val="FFFFFF"/>
+                </a:solidFill>
+                <a:effectLst>
+                  <a:glow rad="228600">
+                    <a:schemeClr val="accent4">
+                      <a:satMod val="175000"/>
+                      <a:alpha val="40000"/>
+                    </a:schemeClr>
+                  </a:glow>
+                  <a:outerShdw blurRad="38100" dist="22860" dir="5400000" algn="tl" rotWithShape="0">
+                    <a:srgbClr val="000000">
+                      <a:alpha val="30000"/>
+                    </a:srgbClr>
+                  </a:outerShdw>
+                </a:effectLst>
+                <a:latin typeface="源暎Nuゴシック EB" panose="02000903000000000000" pitchFamily="2" charset="-128"/>
+                <a:ea typeface="源暎Nuゴシック EB" panose="02000903000000000000" pitchFamily="2" charset="-128"/>
+              </a:rPr>
+              <a:t>人狼のルール</a:t>
+            </a:r>
+            <a:endParaRPr kumimoji="1" lang="ja-JP" altLang="en-US" sz="4400" b="1" dirty="0">
+              <a:ln w="28575">
+                <a:solidFill>
+                  <a:schemeClr val="tx1"/>
+                </a:solidFill>
+                <a:prstDash val="solid"/>
+              </a:ln>
+              <a:solidFill>
+                <a:schemeClr val="accent4"/>
+              </a:solidFill>
+              <a:effectLst>
+                <a:glow rad="228600">
+                  <a:schemeClr val="accent4">
+                    <a:satMod val="175000"/>
+                    <a:alpha val="40000"/>
+                  </a:schemeClr>
+                </a:glow>
+                <a:outerShdw blurRad="38100" dist="22860" dir="5400000" algn="tl" rotWithShape="0">
+                  <a:srgbClr val="000000">
+                    <a:alpha val="30000"/>
+                  </a:srgbClr>
+                </a:outerShdw>
+              </a:effectLst>
+              <a:latin typeface="源暎Nuゴシック EB" panose="02000903000000000000" pitchFamily="2" charset="-128"/>
+              <a:ea typeface="源暎Nuゴシック EB" panose="02000903000000000000" pitchFamily="2" charset="-128"/>
+            </a:endParaRPr>
+          </a:p>
+        </p:txBody>
+      </p:sp>
     </p:spTree>
     <p:extLst>
       <p:ext uri="{BB962C8B-B14F-4D97-AF65-F5344CB8AC3E}">

--- a/PSD/操作説明(人狼).pptx
+++ b/PSD/操作説明(人狼).pptx
@@ -3384,6 +3384,13 @@
               </a:schemeClr>
             </a:solidFill>
           </a:ln>
+          <a:scene3d>
+            <a:camera prst="orthographicFront"/>
+            <a:lightRig rig="threePt" dir="t"/>
+          </a:scene3d>
+          <a:sp3d>
+            <a:bevelT prst="slope"/>
+          </a:sp3d>
         </p:spPr>
         <p:style>
           <a:lnRef idx="2">

--- a/PSD/操作説明(人狼).pptx
+++ b/PSD/操作説明(人狼).pptx
@@ -3245,14 +3245,11 @@
   <p:cSld>
     <p:bg>
       <p:bgPr>
-        <a:blipFill dpi="0" rotWithShape="1">
-          <a:blip r:embed="rId2">
-            <a:alphaModFix amt="14000"/>
-            <a:lum/>
-          </a:blip>
-          <a:srcRect/>
-          <a:tile tx="0" ty="0" sx="20000" sy="20000" flip="none" algn="ctr"/>
-        </a:blipFill>
+        <a:solidFill>
+          <a:schemeClr val="accent1">
+            <a:alpha val="0"/>
+          </a:schemeClr>
+        </a:solidFill>
         <a:effectLst/>
       </p:bgPr>
     </p:bg>
@@ -3568,11 +3565,11 @@
           <p:nvPr/>
         </p:nvPicPr>
         <p:blipFill rotWithShape="1">
-          <a:blip r:embed="rId3" cstate="print">
+          <a:blip r:embed="rId2" cstate="print">
             <a:extLst>
               <a:ext uri="{BEBA8EAE-BF5A-486C-A8C5-ECC9F3942E4B}">
                 <a14:imgProps xmlns:a14="http://schemas.microsoft.com/office/drawing/2010/main">
-                  <a14:imgLayer r:embed="rId4">
+                  <a14:imgLayer r:embed="rId3">
                     <a14:imgEffect>
                       <a14:backgroundRemoval t="0" b="100000" l="500" r="100000">
                         <a14:backgroundMark x1="46667" y1="63667" x2="66833" y2="71500"/>
@@ -4072,7 +4069,7 @@
           <p:nvPr/>
         </p:nvPicPr>
         <p:blipFill>
-          <a:blip r:embed="rId5" cstate="print">
+          <a:blip r:embed="rId4" cstate="print">
             <a:extLst>
               <a:ext uri="{28A0092B-C50C-407E-A947-70E740481C1C}">
                 <a14:useLocalDpi xmlns:a14="http://schemas.microsoft.com/office/drawing/2010/main" val="0"/>
@@ -4517,7 +4514,7 @@
           <p:nvPr/>
         </p:nvPicPr>
         <p:blipFill>
-          <a:blip r:embed="rId6" cstate="print">
+          <a:blip r:embed="rId5" cstate="print">
             <a:extLst>
               <a:ext uri="{28A0092B-C50C-407E-A947-70E740481C1C}">
                 <a14:useLocalDpi xmlns:a14="http://schemas.microsoft.com/office/drawing/2010/main" val="0"/>

--- a/PSD/操作説明(人狼).pptx
+++ b/PSD/操作説明(人狼).pptx
@@ -5,7 +5,7 @@
     <p:sldMasterId id="2147483672" r:id="rId1"/>
   </p:sldMasterIdLst>
   <p:sldIdLst>
-    <p:sldId id="258" r:id="rId2"/>
+    <p:sldId id="259" r:id="rId2"/>
   </p:sldIdLst>
   <p:sldSz cx="12192000" cy="6858000"/>
   <p:notesSz cx="6858000" cy="9144000"/>
@@ -3243,16 +3243,6 @@
 <file path=ppt/slides/slide1.xml><?xml version="1.0" encoding="utf-8"?>
 <p:sld xmlns:a="http://schemas.openxmlformats.org/drawingml/2006/main" xmlns:r="http://schemas.openxmlformats.org/officeDocument/2006/relationships" xmlns:p="http://schemas.openxmlformats.org/presentationml/2006/main">
   <p:cSld>
-    <p:bg>
-      <p:bgPr>
-        <a:solidFill>
-          <a:schemeClr val="accent1">
-            <a:alpha val="0"/>
-          </a:schemeClr>
-        </a:solidFill>
-        <a:effectLst/>
-      </p:bgPr>
-    </p:bg>
     <p:spTree>
       <p:nvGrpSpPr>
         <p:cNvPr id="1" name=""/>
@@ -3269,14 +3259,14 @@
       </p:grpSpPr>
       <p:sp>
         <p:nvSpPr>
-          <p:cNvPr id="5" name="正方形/長方形 4"/>
+          <p:cNvPr id="25" name="正方形/長方形 24"/>
           <p:cNvSpPr/>
           <p:nvPr/>
         </p:nvSpPr>
         <p:spPr>
           <a:xfrm>
-            <a:off x="-2" y="-66583"/>
-            <a:ext cx="12176115" cy="6924583"/>
+            <a:off x="0" y="0"/>
+            <a:ext cx="12192000" cy="6858000"/>
           </a:xfrm>
           <a:prstGeom prst="rect">
             <a:avLst/>
@@ -3302,12 +3292,7 @@
             <a:lin ang="16200000" scaled="1"/>
           </a:gradFill>
           <a:ln>
-            <a:solidFill>
-              <a:schemeClr val="accent1">
-                <a:shade val="50000"/>
-                <a:alpha val="95000"/>
-              </a:schemeClr>
-            </a:solidFill>
+            <a:noFill/>
           </a:ln>
         </p:spPr>
         <p:style>
@@ -3337,13 +3322,13 @@
       </p:sp>
       <p:sp>
         <p:nvSpPr>
-          <p:cNvPr id="15" name="角丸四角形 14"/>
+          <p:cNvPr id="3" name="角丸四角形 2"/>
           <p:cNvSpPr/>
           <p:nvPr/>
         </p:nvSpPr>
         <p:spPr>
           <a:xfrm>
-            <a:off x="251096" y="243753"/>
+            <a:off x="255598" y="430184"/>
             <a:ext cx="6128745" cy="4085548"/>
           </a:xfrm>
           <a:prstGeom prst="roundRect">
@@ -3416,13 +3401,13 @@
       </p:sp>
       <p:sp>
         <p:nvSpPr>
-          <p:cNvPr id="14" name="角丸四角形 13"/>
+          <p:cNvPr id="4" name="角丸四角形 3"/>
           <p:cNvSpPr/>
           <p:nvPr/>
         </p:nvSpPr>
         <p:spPr>
           <a:xfrm>
-            <a:off x="6691014" y="340256"/>
+            <a:off x="6695516" y="526687"/>
             <a:ext cx="5090928" cy="3757848"/>
           </a:xfrm>
           <a:prstGeom prst="roundRect">
@@ -3493,72 +3478,9 @@
           </a:p>
         </p:txBody>
       </p:sp>
-      <p:sp>
-        <p:nvSpPr>
-          <p:cNvPr id="3" name="テキスト ボックス 2"/>
-          <p:cNvSpPr txBox="1"/>
-          <p:nvPr/>
-        </p:nvSpPr>
-        <p:spPr>
-          <a:xfrm>
-            <a:off x="258755" y="655835"/>
-            <a:ext cx="7000142" cy="954107"/>
-          </a:xfrm>
-          <a:prstGeom prst="rect">
-            <a:avLst/>
-          </a:prstGeom>
-          <a:noFill/>
-        </p:spPr>
-        <p:txBody>
-          <a:bodyPr wrap="square" rtlCol="0">
-            <a:spAutoFit/>
-          </a:bodyPr>
-          <a:lstStyle/>
-          <a:p>
-            <a:r>
-              <a:rPr lang="ja-JP" altLang="en-US" sz="2400" dirty="0">
-                <a:latin typeface="03スマートフォントUI" panose="02000600000000000000" pitchFamily="50" charset="-128"/>
-                <a:ea typeface="03スマートフォントUI" panose="02000600000000000000" pitchFamily="50" charset="-128"/>
-              </a:rPr>
-              <a:t>ゴーカート</a:t>
-            </a:r>
-            <a:r>
-              <a:rPr kumimoji="1" lang="ja-JP" altLang="en-US" sz="2400" dirty="0" smtClean="0">
-                <a:latin typeface="03スマートフォントUI" panose="02000600000000000000" pitchFamily="50" charset="-128"/>
-                <a:ea typeface="03スマートフォントUI" panose="02000600000000000000" pitchFamily="50" charset="-128"/>
-              </a:rPr>
-              <a:t>で風船を割って</a:t>
-            </a:r>
-            <a:endParaRPr kumimoji="1" lang="en-US" altLang="ja-JP" sz="2400" dirty="0" smtClean="0">
-              <a:latin typeface="03スマートフォントUI" panose="02000600000000000000" pitchFamily="50" charset="-128"/>
-              <a:ea typeface="03スマートフォントUI" panose="02000600000000000000" pitchFamily="50" charset="-128"/>
-            </a:endParaRPr>
-          </a:p>
-          <a:p>
-            <a:r>
-              <a:rPr kumimoji="1" lang="ja-JP" altLang="en-US" sz="2400" dirty="0" smtClean="0">
-                <a:latin typeface="03スマートフォントUI" panose="02000600000000000000" pitchFamily="50" charset="-128"/>
-                <a:ea typeface="03スマートフォントUI" panose="02000600000000000000" pitchFamily="50" charset="-128"/>
-              </a:rPr>
-              <a:t>点数を競うゲームです</a:t>
-            </a:r>
-            <a:r>
-              <a:rPr kumimoji="1" lang="ja-JP" altLang="en-US" sz="3200" dirty="0" smtClean="0">
-                <a:latin typeface="03スマートフォントUI" panose="02000600000000000000" pitchFamily="50" charset="-128"/>
-                <a:ea typeface="03スマートフォントUI" panose="02000600000000000000" pitchFamily="50" charset="-128"/>
-              </a:rPr>
-              <a:t>。</a:t>
-            </a:r>
-            <a:endParaRPr kumimoji="1" lang="en-US" altLang="ja-JP" sz="3200" dirty="0" smtClean="0">
-              <a:latin typeface="03スマートフォントUI" panose="02000600000000000000" pitchFamily="50" charset="-128"/>
-              <a:ea typeface="03スマートフォントUI" panose="02000600000000000000" pitchFamily="50" charset="-128"/>
-            </a:endParaRPr>
-          </a:p>
-        </p:txBody>
-      </p:sp>
       <p:pic>
         <p:nvPicPr>
-          <p:cNvPr id="20" name="Picture 2" descr="Xinput対応ゲームパッド - JC-U3613MBK"/>
+          <p:cNvPr id="6" name="Picture 2" descr="Xinput対応ゲームパッド - JC-U3613MBK"/>
           <p:cNvPicPr>
             <a:picLocks noChangeAspect="1" noChangeArrowheads="1"/>
           </p:cNvPicPr>
@@ -3588,7 +3510,7 @@
         </p:blipFill>
         <p:spPr bwMode="auto">
           <a:xfrm>
-            <a:off x="7476295" y="1390969"/>
+            <a:off x="7480797" y="1577400"/>
             <a:ext cx="3367645" cy="2963439"/>
           </a:xfrm>
           <a:prstGeom prst="rect">
@@ -3608,175 +3530,13 @@
       </p:pic>
       <p:sp>
         <p:nvSpPr>
-          <p:cNvPr id="4" name="テキスト ボックス 3"/>
-          <p:cNvSpPr txBox="1"/>
-          <p:nvPr/>
-        </p:nvSpPr>
-        <p:spPr>
-          <a:xfrm>
-            <a:off x="258755" y="1531273"/>
-            <a:ext cx="5829300" cy="1292662"/>
-          </a:xfrm>
-          <a:prstGeom prst="rect">
-            <a:avLst/>
-          </a:prstGeom>
-          <a:noFill/>
-        </p:spPr>
-        <p:txBody>
-          <a:bodyPr wrap="square" rtlCol="0">
-            <a:spAutoFit/>
-          </a:bodyPr>
-          <a:lstStyle/>
-          <a:p>
-            <a:r>
-              <a:rPr lang="ja-JP" altLang="en-US" sz="2400" b="1" dirty="0" smtClean="0">
-                <a:solidFill>
-                  <a:srgbClr val="FF00FF"/>
-                </a:solidFill>
-                <a:latin typeface="03スマートフォントUI" panose="02000600000000000000" pitchFamily="50" charset="-128"/>
-                <a:ea typeface="03スマートフォントUI" panose="02000600000000000000" pitchFamily="50" charset="-128"/>
-              </a:rPr>
-              <a:t>ピンクの風船</a:t>
-            </a:r>
-            <a:r>
-              <a:rPr lang="ja-JP" altLang="en-US" sz="2400" dirty="0" smtClean="0">
-                <a:latin typeface="03スマートフォントUI" panose="02000600000000000000" pitchFamily="50" charset="-128"/>
-                <a:ea typeface="03スマートフォントUI" panose="02000600000000000000" pitchFamily="50" charset="-128"/>
-              </a:rPr>
-              <a:t>は</a:t>
-            </a:r>
-            <a:r>
-              <a:rPr lang="en-US" altLang="ja-JP" sz="2800" b="1" dirty="0" smtClean="0">
-                <a:latin typeface="03スマートフォントUI" panose="02000600000000000000" pitchFamily="50" charset="-128"/>
-                <a:ea typeface="03スマートフォントUI" panose="02000600000000000000" pitchFamily="50" charset="-128"/>
-              </a:rPr>
-              <a:t>1</a:t>
-            </a:r>
-            <a:r>
-              <a:rPr lang="ja-JP" altLang="en-US" sz="2800" b="1" dirty="0" smtClean="0">
-                <a:latin typeface="03スマートフォントUI" panose="02000600000000000000" pitchFamily="50" charset="-128"/>
-                <a:ea typeface="03スマートフォントUI" panose="02000600000000000000" pitchFamily="50" charset="-128"/>
-              </a:rPr>
-              <a:t>点</a:t>
-            </a:r>
-            <a:r>
-              <a:rPr lang="ja-JP" altLang="en-US" sz="2400" dirty="0" smtClean="0">
-                <a:latin typeface="03スマートフォントUI" panose="02000600000000000000" pitchFamily="50" charset="-128"/>
-                <a:ea typeface="03スマートフォントUI" panose="02000600000000000000" pitchFamily="50" charset="-128"/>
-              </a:rPr>
-              <a:t>、</a:t>
-            </a:r>
-            <a:endParaRPr lang="en-US" altLang="ja-JP" sz="2400" dirty="0" smtClean="0">
-              <a:latin typeface="03スマートフォントUI" panose="02000600000000000000" pitchFamily="50" charset="-128"/>
-              <a:ea typeface="03スマートフォントUI" panose="02000600000000000000" pitchFamily="50" charset="-128"/>
-            </a:endParaRPr>
-          </a:p>
-          <a:p>
-            <a:r>
-              <a:rPr lang="ja-JP" altLang="en-US" sz="2400" b="1" dirty="0" smtClean="0">
-                <a:ln w="3175">
-                  <a:noFill/>
-                </a:ln>
-                <a:gradFill flip="none" rotWithShape="1">
-                  <a:gsLst>
-                    <a:gs pos="0">
-                      <a:schemeClr val="accent4">
-                        <a:lumMod val="67000"/>
-                      </a:schemeClr>
-                    </a:gs>
-                    <a:gs pos="48000">
-                      <a:schemeClr val="accent4">
-                        <a:lumMod val="97000"/>
-                        <a:lumOff val="3000"/>
-                      </a:schemeClr>
-                    </a:gs>
-                    <a:gs pos="100000">
-                      <a:schemeClr val="accent4">
-                        <a:lumMod val="60000"/>
-                        <a:lumOff val="40000"/>
-                      </a:schemeClr>
-                    </a:gs>
-                  </a:gsLst>
-                  <a:lin ang="16200000" scaled="1"/>
-                  <a:tileRect/>
-                </a:gradFill>
-                <a:latin typeface="03スマートフォントUI" panose="02000600000000000000" pitchFamily="50" charset="-128"/>
-                <a:ea typeface="03スマートフォントUI" panose="02000600000000000000" pitchFamily="50" charset="-128"/>
-              </a:rPr>
-              <a:t>金色の風船</a:t>
-            </a:r>
-            <a:r>
-              <a:rPr lang="ja-JP" altLang="en-US" sz="2400" dirty="0" smtClean="0">
-                <a:latin typeface="03スマートフォントUI" panose="02000600000000000000" pitchFamily="50" charset="-128"/>
-                <a:ea typeface="03スマートフォントUI" panose="02000600000000000000" pitchFamily="50" charset="-128"/>
-              </a:rPr>
-              <a:t>は</a:t>
-            </a:r>
-            <a:r>
-              <a:rPr lang="en-US" altLang="ja-JP" sz="2800" b="1" dirty="0" smtClean="0">
-                <a:latin typeface="03スマートフォントUI" panose="02000600000000000000" pitchFamily="50" charset="-128"/>
-                <a:ea typeface="03スマートフォントUI" panose="02000600000000000000" pitchFamily="50" charset="-128"/>
-              </a:rPr>
-              <a:t>3</a:t>
-            </a:r>
-            <a:r>
-              <a:rPr lang="ja-JP" altLang="en-US" sz="2800" b="1" dirty="0" smtClean="0">
-                <a:latin typeface="03スマートフォントUI" panose="02000600000000000000" pitchFamily="50" charset="-128"/>
-                <a:ea typeface="03スマートフォントUI" panose="02000600000000000000" pitchFamily="50" charset="-128"/>
-              </a:rPr>
-              <a:t>点</a:t>
-            </a:r>
-            <a:r>
-              <a:rPr lang="ja-JP" altLang="en-US" sz="2400" dirty="0" smtClean="0">
-                <a:latin typeface="03スマートフォントUI" panose="02000600000000000000" pitchFamily="50" charset="-128"/>
-                <a:ea typeface="03スマートフォントUI" panose="02000600000000000000" pitchFamily="50" charset="-128"/>
-              </a:rPr>
-              <a:t>です</a:t>
-            </a:r>
-            <a:r>
-              <a:rPr lang="ja-JP" altLang="en-US" sz="3200" dirty="0" smtClean="0"/>
-              <a:t>。</a:t>
-            </a:r>
-            <a:endParaRPr lang="ja-JP" altLang="en-US" sz="3200" dirty="0"/>
-          </a:p>
-          <a:p>
-            <a:endParaRPr kumimoji="1" lang="ja-JP" altLang="en-US" dirty="0">
-              <a:gradFill flip="none" rotWithShape="1">
-                <a:gsLst>
-                  <a:gs pos="0">
-                    <a:schemeClr val="accent4">
-                      <a:lumMod val="67000"/>
-                    </a:schemeClr>
-                  </a:gs>
-                  <a:gs pos="48000">
-                    <a:schemeClr val="accent4">
-                      <a:lumMod val="97000"/>
-                      <a:lumOff val="3000"/>
-                    </a:schemeClr>
-                  </a:gs>
-                  <a:gs pos="100000">
-                    <a:schemeClr val="accent4">
-                      <a:lumMod val="60000"/>
-                      <a:lumOff val="40000"/>
-                    </a:schemeClr>
-                  </a:gs>
-                </a:gsLst>
-                <a:lin ang="16200000" scaled="1"/>
-                <a:tileRect/>
-              </a:gradFill>
-            </a:endParaRPr>
-          </a:p>
-        </p:txBody>
-      </p:sp>
-      <p:sp>
-        <p:nvSpPr>
           <p:cNvPr id="8" name="テキスト ボックス 7"/>
           <p:cNvSpPr txBox="1"/>
           <p:nvPr/>
         </p:nvSpPr>
         <p:spPr>
           <a:xfrm>
-            <a:off x="8196215" y="3229845"/>
+            <a:off x="8200717" y="3416276"/>
             <a:ext cx="1648167" cy="523220"/>
           </a:xfrm>
           <a:prstGeom prst="rect">
@@ -3806,13 +3566,13 @@
       </p:sp>
       <p:sp>
         <p:nvSpPr>
-          <p:cNvPr id="10" name="テキスト ボックス 9"/>
+          <p:cNvPr id="9" name="テキスト ボックス 8"/>
           <p:cNvSpPr txBox="1"/>
           <p:nvPr/>
         </p:nvSpPr>
         <p:spPr>
           <a:xfrm>
-            <a:off x="10496489" y="1204346"/>
+            <a:off x="10500991" y="1390777"/>
             <a:ext cx="1284367" cy="523220"/>
           </a:xfrm>
           <a:prstGeom prst="rect">
@@ -3842,13 +3602,13 @@
       </p:sp>
       <p:sp>
         <p:nvSpPr>
-          <p:cNvPr id="11" name="フローチャート: 手操作入力 10"/>
+          <p:cNvPr id="10" name="フローチャート: 手操作入力 9"/>
           <p:cNvSpPr/>
           <p:nvPr/>
         </p:nvSpPr>
         <p:spPr>
           <a:xfrm>
-            <a:off x="8132039" y="576658"/>
+            <a:off x="8136541" y="763089"/>
             <a:ext cx="909861" cy="469314"/>
           </a:xfrm>
           <a:prstGeom prst="flowChartManualInput">
@@ -3892,14 +3652,14 @@
       </p:sp>
       <p:sp>
         <p:nvSpPr>
-          <p:cNvPr id="12" name="テキスト ボックス 11"/>
+          <p:cNvPr id="11" name="テキスト ボックス 10"/>
           <p:cNvSpPr txBox="1"/>
           <p:nvPr/>
         </p:nvSpPr>
         <p:spPr>
           <a:xfrm>
-            <a:off x="9052215" y="539702"/>
-            <a:ext cx="3400425" cy="523220"/>
+            <a:off x="9198682" y="763089"/>
+            <a:ext cx="2404154" cy="523220"/>
           </a:xfrm>
           <a:prstGeom prst="rect">
             <a:avLst/>
@@ -3928,13 +3688,13 @@
       </p:sp>
       <p:sp>
         <p:nvSpPr>
-          <p:cNvPr id="16" name="テキスト ボックス 15"/>
+          <p:cNvPr id="12" name="テキスト ボックス 11"/>
           <p:cNvSpPr txBox="1"/>
           <p:nvPr/>
         </p:nvSpPr>
         <p:spPr>
           <a:xfrm>
-            <a:off x="6765222" y="1876060"/>
+            <a:off x="6769724" y="2062491"/>
             <a:ext cx="975761" cy="523220"/>
           </a:xfrm>
           <a:prstGeom prst="rect">
@@ -3964,13 +3724,13 @@
       </p:sp>
       <p:sp>
         <p:nvSpPr>
-          <p:cNvPr id="9" name="角丸四角形 8"/>
+          <p:cNvPr id="13" name="角丸四角形 12"/>
           <p:cNvSpPr/>
           <p:nvPr/>
         </p:nvSpPr>
         <p:spPr>
           <a:xfrm>
-            <a:off x="127267" y="4849445"/>
+            <a:off x="131769" y="5035876"/>
             <a:ext cx="11271886" cy="1603341"/>
           </a:xfrm>
           <a:prstGeom prst="roundRect">
@@ -4062,7 +3822,7 @@
       </p:sp>
       <p:pic>
         <p:nvPicPr>
-          <p:cNvPr id="17" name="図 16"/>
+          <p:cNvPr id="14" name="図 13"/>
           <p:cNvPicPr>
             <a:picLocks noChangeAspect="1"/>
           </p:cNvPicPr>
@@ -4082,7 +3842,7 @@
         </p:blipFill>
         <p:spPr>
           <a:xfrm>
-            <a:off x="165945" y="4864680"/>
+            <a:off x="170447" y="5051111"/>
             <a:ext cx="1464079" cy="1424181"/>
           </a:xfrm>
           <a:prstGeom prst="rect">
@@ -4092,13 +3852,13 @@
       </p:pic>
       <p:sp>
         <p:nvSpPr>
-          <p:cNvPr id="18" name="テキスト ボックス 17"/>
+          <p:cNvPr id="15" name="テキスト ボックス 14"/>
           <p:cNvSpPr txBox="1"/>
           <p:nvPr/>
         </p:nvSpPr>
         <p:spPr>
           <a:xfrm>
-            <a:off x="1619180" y="4820904"/>
+            <a:off x="1623682" y="5007335"/>
             <a:ext cx="2375675" cy="707368"/>
           </a:xfrm>
           <a:prstGeom prst="rect">
@@ -4144,13 +3904,13 @@
       </p:sp>
       <p:sp>
         <p:nvSpPr>
-          <p:cNvPr id="19" name="テキスト ボックス 18"/>
+          <p:cNvPr id="16" name="テキスト ボックス 15"/>
           <p:cNvSpPr txBox="1"/>
           <p:nvPr/>
         </p:nvSpPr>
         <p:spPr>
           <a:xfrm>
-            <a:off x="1479639" y="5408319"/>
+            <a:off x="1484141" y="5594750"/>
             <a:ext cx="4149213" cy="954107"/>
           </a:xfrm>
           <a:prstGeom prst="rect">
@@ -4180,13 +3940,13 @@
       </p:sp>
       <p:cxnSp>
         <p:nvCxnSpPr>
-          <p:cNvPr id="22" name="直線矢印コネクタ 21"/>
+          <p:cNvPr id="17" name="直線矢印コネクタ 16"/>
           <p:cNvCxnSpPr/>
           <p:nvPr/>
         </p:nvCxnSpPr>
         <p:spPr>
           <a:xfrm flipV="1">
-            <a:off x="9194180" y="2608251"/>
+            <a:off x="9198682" y="2794682"/>
             <a:ext cx="854306" cy="541868"/>
           </a:xfrm>
           <a:prstGeom prst="straightConnector1">
@@ -4213,13 +3973,13 @@
       </p:cxnSp>
       <p:cxnSp>
         <p:nvCxnSpPr>
-          <p:cNvPr id="25" name="直線矢印コネクタ 24"/>
+          <p:cNvPr id="18" name="直線矢印コネクタ 17"/>
           <p:cNvCxnSpPr/>
           <p:nvPr/>
         </p:nvCxnSpPr>
         <p:spPr>
           <a:xfrm flipH="1">
-            <a:off x="10356664" y="1716780"/>
+            <a:off x="10361166" y="1903211"/>
             <a:ext cx="354470" cy="735598"/>
           </a:xfrm>
           <a:prstGeom prst="straightConnector1">
@@ -4246,13 +4006,13 @@
       </p:cxnSp>
       <p:cxnSp>
         <p:nvCxnSpPr>
-          <p:cNvPr id="28" name="直線矢印コネクタ 27"/>
+          <p:cNvPr id="19" name="直線矢印コネクタ 18"/>
           <p:cNvCxnSpPr/>
           <p:nvPr/>
         </p:nvCxnSpPr>
         <p:spPr>
           <a:xfrm flipV="1">
-            <a:off x="7659625" y="1820908"/>
+            <a:off x="7664127" y="2007339"/>
             <a:ext cx="925333" cy="312557"/>
           </a:xfrm>
           <a:prstGeom prst="straightConnector1">
@@ -4282,13 +4042,13 @@
       </p:cxnSp>
       <p:cxnSp>
         <p:nvCxnSpPr>
-          <p:cNvPr id="30" name="直線矢印コネクタ 29"/>
+          <p:cNvPr id="20" name="直線矢印コネクタ 19"/>
           <p:cNvCxnSpPr/>
           <p:nvPr/>
         </p:nvCxnSpPr>
         <p:spPr>
           <a:xfrm flipH="1">
-            <a:off x="8956490" y="1052897"/>
+            <a:off x="8960992" y="1239328"/>
             <a:ext cx="635153" cy="520627"/>
           </a:xfrm>
           <a:prstGeom prst="straightConnector1">
@@ -4318,94 +4078,13 @@
       </p:cxnSp>
       <p:sp>
         <p:nvSpPr>
-          <p:cNvPr id="6" name="テキスト ボックス 5"/>
-          <p:cNvSpPr txBox="1"/>
-          <p:nvPr/>
-        </p:nvSpPr>
-        <p:spPr>
-          <a:xfrm>
-            <a:off x="286258" y="3106493"/>
-            <a:ext cx="5874990" cy="892552"/>
-          </a:xfrm>
-          <a:prstGeom prst="rect">
-            <a:avLst/>
-          </a:prstGeom>
-          <a:noFill/>
-        </p:spPr>
-        <p:txBody>
-          <a:bodyPr wrap="square" rtlCol="0">
-            <a:spAutoFit/>
-          </a:bodyPr>
-          <a:lstStyle/>
-          <a:p>
-            <a:r>
-              <a:rPr kumimoji="1" lang="ja-JP" altLang="en-US" sz="2400" u="sng" dirty="0" smtClean="0">
-                <a:solidFill>
-                  <a:srgbClr val="FF0000"/>
-                </a:solidFill>
-                <a:effectLst>
-                  <a:outerShdw blurRad="38100" dist="38100" dir="2700000" algn="tl">
-                    <a:srgbClr val="000000">
-                      <a:alpha val="43137"/>
-                    </a:srgbClr>
-                  </a:outerShdw>
-                </a:effectLst>
-                <a:latin typeface="源暎Nuゴシック EB" panose="02000903000000000000" pitchFamily="2" charset="-128"/>
-                <a:ea typeface="源暎Nuゴシック EB" panose="02000903000000000000" pitchFamily="2" charset="-128"/>
-              </a:rPr>
-              <a:t>「人狼」</a:t>
-            </a:r>
-            <a:r>
-              <a:rPr kumimoji="1" lang="ja-JP" altLang="en-US" sz="2400" u="sng" dirty="0" smtClean="0">
-                <a:effectLst>
-                  <a:outerShdw blurRad="38100" dist="38100" dir="2700000" algn="tl">
-                    <a:srgbClr val="000000">
-                      <a:alpha val="43137"/>
-                    </a:srgbClr>
-                  </a:outerShdw>
-                </a:effectLst>
-                <a:latin typeface="03スマートフォントUI" panose="02000600000000000000" pitchFamily="2" charset="-128"/>
-                <a:ea typeface="03スマートフォントUI" panose="02000600000000000000" pitchFamily="2" charset="-128"/>
-              </a:rPr>
-              <a:t>のまわりには金色の風船が出やすくなります</a:t>
-            </a:r>
-            <a:r>
-              <a:rPr kumimoji="1" lang="ja-JP" altLang="en-US" sz="2800" u="sng" dirty="0" smtClean="0">
-                <a:effectLst>
-                  <a:outerShdw blurRad="38100" dist="38100" dir="2700000" algn="tl">
-                    <a:srgbClr val="000000">
-                      <a:alpha val="43137"/>
-                    </a:srgbClr>
-                  </a:outerShdw>
-                </a:effectLst>
-                <a:latin typeface="03スマートフォントUI" panose="02000600000000000000" pitchFamily="2" charset="-128"/>
-                <a:ea typeface="03スマートフォントUI" panose="02000600000000000000" pitchFamily="2" charset="-128"/>
-              </a:rPr>
-              <a:t>。</a:t>
-            </a:r>
-            <a:endParaRPr kumimoji="1" lang="ja-JP" altLang="en-US" sz="2800" u="sng" dirty="0">
-              <a:effectLst>
-                <a:outerShdw blurRad="38100" dist="38100" dir="2700000" algn="tl">
-                  <a:srgbClr val="000000">
-                    <a:alpha val="43137"/>
-                  </a:srgbClr>
-                </a:outerShdw>
-              </a:effectLst>
-              <a:latin typeface="03スマートフォントUI" panose="02000600000000000000" pitchFamily="2" charset="-128"/>
-              <a:ea typeface="03スマートフォントUI" panose="02000600000000000000" pitchFamily="2" charset="-128"/>
-            </a:endParaRPr>
-          </a:p>
-        </p:txBody>
-      </p:sp>
-      <p:sp>
-        <p:nvSpPr>
           <p:cNvPr id="21" name="テキスト ボックス 20"/>
           <p:cNvSpPr txBox="1"/>
           <p:nvPr/>
         </p:nvSpPr>
         <p:spPr>
           <a:xfrm>
-            <a:off x="7045337" y="4849445"/>
+            <a:off x="7049839" y="5035876"/>
             <a:ext cx="2375675" cy="707368"/>
           </a:xfrm>
           <a:prstGeom prst="rect">
@@ -4451,13 +4130,13 @@
       </p:sp>
       <p:sp>
         <p:nvSpPr>
-          <p:cNvPr id="26" name="テキスト ボックス 25"/>
+          <p:cNvPr id="22" name="テキスト ボックス 21"/>
           <p:cNvSpPr txBox="1"/>
           <p:nvPr/>
         </p:nvSpPr>
         <p:spPr>
           <a:xfrm>
-            <a:off x="6995298" y="5408318"/>
+            <a:off x="6999800" y="5594749"/>
             <a:ext cx="4527298" cy="954107"/>
           </a:xfrm>
           <a:prstGeom prst="rect">
@@ -4507,7 +4186,7 @@
       </p:sp>
       <p:pic>
         <p:nvPicPr>
-          <p:cNvPr id="13" name="図 12"/>
+          <p:cNvPr id="23" name="図 22"/>
           <p:cNvPicPr>
             <a:picLocks noChangeAspect="1"/>
           </p:cNvPicPr>
@@ -4527,7 +4206,7 @@
         </p:blipFill>
         <p:spPr>
           <a:xfrm>
-            <a:off x="5708241" y="4929934"/>
+            <a:off x="5712743" y="5116365"/>
             <a:ext cx="1285701" cy="1285701"/>
           </a:xfrm>
           <a:prstGeom prst="rect">
@@ -4537,13 +4216,319 @@
       </p:pic>
       <p:sp>
         <p:nvSpPr>
-          <p:cNvPr id="23" name="テキスト ボックス 22"/>
+          <p:cNvPr id="26" name="テキスト ボックス 25"/>
           <p:cNvSpPr txBox="1"/>
           <p:nvPr/>
         </p:nvSpPr>
         <p:spPr>
           <a:xfrm>
-            <a:off x="428805" y="-38617"/>
+            <a:off x="267551" y="801149"/>
+            <a:ext cx="7000142" cy="954107"/>
+          </a:xfrm>
+          <a:prstGeom prst="rect">
+            <a:avLst/>
+          </a:prstGeom>
+          <a:noFill/>
+        </p:spPr>
+        <p:txBody>
+          <a:bodyPr wrap="square" rtlCol="0">
+            <a:spAutoFit/>
+          </a:bodyPr>
+          <a:lstStyle/>
+          <a:p>
+            <a:r>
+              <a:rPr lang="ja-JP" altLang="en-US" sz="2400" dirty="0">
+                <a:latin typeface="03スマートフォントUI" panose="02000600000000000000" pitchFamily="50" charset="-128"/>
+                <a:ea typeface="03スマートフォントUI" panose="02000600000000000000" pitchFamily="50" charset="-128"/>
+              </a:rPr>
+              <a:t>ゴーカート</a:t>
+            </a:r>
+            <a:r>
+              <a:rPr kumimoji="1" lang="ja-JP" altLang="en-US" sz="2400" dirty="0" smtClean="0">
+                <a:latin typeface="03スマートフォントUI" panose="02000600000000000000" pitchFamily="50" charset="-128"/>
+                <a:ea typeface="03スマートフォントUI" panose="02000600000000000000" pitchFamily="50" charset="-128"/>
+              </a:rPr>
+              <a:t>で風船を割って</a:t>
+            </a:r>
+            <a:endParaRPr kumimoji="1" lang="en-US" altLang="ja-JP" sz="2400" dirty="0" smtClean="0">
+              <a:latin typeface="03スマートフォントUI" panose="02000600000000000000" pitchFamily="50" charset="-128"/>
+              <a:ea typeface="03スマートフォントUI" panose="02000600000000000000" pitchFamily="50" charset="-128"/>
+            </a:endParaRPr>
+          </a:p>
+          <a:p>
+            <a:r>
+              <a:rPr kumimoji="1" lang="ja-JP" altLang="en-US" sz="2400" dirty="0" smtClean="0">
+                <a:latin typeface="03スマートフォントUI" panose="02000600000000000000" pitchFamily="50" charset="-128"/>
+                <a:ea typeface="03スマートフォントUI" panose="02000600000000000000" pitchFamily="50" charset="-128"/>
+              </a:rPr>
+              <a:t>点数を競うゲームです</a:t>
+            </a:r>
+            <a:r>
+              <a:rPr kumimoji="1" lang="ja-JP" altLang="en-US" sz="3200" dirty="0" smtClean="0">
+                <a:latin typeface="03スマートフォントUI" panose="02000600000000000000" pitchFamily="50" charset="-128"/>
+                <a:ea typeface="03スマートフォントUI" panose="02000600000000000000" pitchFamily="50" charset="-128"/>
+              </a:rPr>
+              <a:t>。</a:t>
+            </a:r>
+            <a:endParaRPr kumimoji="1" lang="en-US" altLang="ja-JP" sz="3200" dirty="0" smtClean="0">
+              <a:latin typeface="03スマートフォントUI" panose="02000600000000000000" pitchFamily="50" charset="-128"/>
+              <a:ea typeface="03スマートフォントUI" panose="02000600000000000000" pitchFamily="50" charset="-128"/>
+            </a:endParaRPr>
+          </a:p>
+        </p:txBody>
+      </p:sp>
+      <p:sp>
+        <p:nvSpPr>
+          <p:cNvPr id="27" name="テキスト ボックス 26"/>
+          <p:cNvSpPr txBox="1"/>
+          <p:nvPr/>
+        </p:nvSpPr>
+        <p:spPr>
+          <a:xfrm>
+            <a:off x="267551" y="1676587"/>
+            <a:ext cx="5829300" cy="1292662"/>
+          </a:xfrm>
+          <a:prstGeom prst="rect">
+            <a:avLst/>
+          </a:prstGeom>
+          <a:noFill/>
+        </p:spPr>
+        <p:txBody>
+          <a:bodyPr wrap="square" rtlCol="0">
+            <a:spAutoFit/>
+          </a:bodyPr>
+          <a:lstStyle/>
+          <a:p>
+            <a:r>
+              <a:rPr lang="ja-JP" altLang="en-US" sz="2400" b="1" dirty="0" smtClean="0">
+                <a:solidFill>
+                  <a:srgbClr val="FF00FF"/>
+                </a:solidFill>
+                <a:latin typeface="03スマートフォントUI" panose="02000600000000000000" pitchFamily="50" charset="-128"/>
+                <a:ea typeface="03スマートフォントUI" panose="02000600000000000000" pitchFamily="50" charset="-128"/>
+              </a:rPr>
+              <a:t>ピンクの風船</a:t>
+            </a:r>
+            <a:r>
+              <a:rPr lang="ja-JP" altLang="en-US" sz="2400" dirty="0" smtClean="0">
+                <a:latin typeface="03スマートフォントUI" panose="02000600000000000000" pitchFamily="50" charset="-128"/>
+                <a:ea typeface="03スマートフォントUI" panose="02000600000000000000" pitchFamily="50" charset="-128"/>
+              </a:rPr>
+              <a:t>は</a:t>
+            </a:r>
+            <a:r>
+              <a:rPr lang="en-US" altLang="ja-JP" sz="2800" b="1" dirty="0" smtClean="0">
+                <a:latin typeface="03スマートフォントUI" panose="02000600000000000000" pitchFamily="50" charset="-128"/>
+                <a:ea typeface="03スマートフォントUI" panose="02000600000000000000" pitchFamily="50" charset="-128"/>
+              </a:rPr>
+              <a:t>1</a:t>
+            </a:r>
+            <a:r>
+              <a:rPr lang="ja-JP" altLang="en-US" sz="2800" b="1" dirty="0" smtClean="0">
+                <a:latin typeface="03スマートフォントUI" panose="02000600000000000000" pitchFamily="50" charset="-128"/>
+                <a:ea typeface="03スマートフォントUI" panose="02000600000000000000" pitchFamily="50" charset="-128"/>
+              </a:rPr>
+              <a:t>点</a:t>
+            </a:r>
+            <a:r>
+              <a:rPr lang="ja-JP" altLang="en-US" sz="2400" dirty="0" smtClean="0">
+                <a:latin typeface="03スマートフォントUI" panose="02000600000000000000" pitchFamily="50" charset="-128"/>
+                <a:ea typeface="03スマートフォントUI" panose="02000600000000000000" pitchFamily="50" charset="-128"/>
+              </a:rPr>
+              <a:t>、</a:t>
+            </a:r>
+            <a:endParaRPr lang="en-US" altLang="ja-JP" sz="2400" dirty="0" smtClean="0">
+              <a:latin typeface="03スマートフォントUI" panose="02000600000000000000" pitchFamily="50" charset="-128"/>
+              <a:ea typeface="03スマートフォントUI" panose="02000600000000000000" pitchFamily="50" charset="-128"/>
+            </a:endParaRPr>
+          </a:p>
+          <a:p>
+            <a:r>
+              <a:rPr lang="ja-JP" altLang="en-US" sz="2400" b="1" dirty="0" smtClean="0">
+                <a:ln w="3175">
+                  <a:noFill/>
+                </a:ln>
+                <a:gradFill flip="none" rotWithShape="1">
+                  <a:gsLst>
+                    <a:gs pos="0">
+                      <a:schemeClr val="accent4">
+                        <a:lumMod val="67000"/>
+                      </a:schemeClr>
+                    </a:gs>
+                    <a:gs pos="48000">
+                      <a:schemeClr val="accent4">
+                        <a:lumMod val="97000"/>
+                        <a:lumOff val="3000"/>
+                      </a:schemeClr>
+                    </a:gs>
+                    <a:gs pos="100000">
+                      <a:schemeClr val="accent4">
+                        <a:lumMod val="60000"/>
+                        <a:lumOff val="40000"/>
+                      </a:schemeClr>
+                    </a:gs>
+                  </a:gsLst>
+                  <a:lin ang="16200000" scaled="1"/>
+                  <a:tileRect/>
+                </a:gradFill>
+                <a:latin typeface="03スマートフォントUI" panose="02000600000000000000" pitchFamily="50" charset="-128"/>
+                <a:ea typeface="03スマートフォントUI" panose="02000600000000000000" pitchFamily="50" charset="-128"/>
+              </a:rPr>
+              <a:t>金色の風船</a:t>
+            </a:r>
+            <a:r>
+              <a:rPr lang="ja-JP" altLang="en-US" sz="2400" dirty="0" smtClean="0">
+                <a:latin typeface="03スマートフォントUI" panose="02000600000000000000" pitchFamily="50" charset="-128"/>
+                <a:ea typeface="03スマートフォントUI" panose="02000600000000000000" pitchFamily="50" charset="-128"/>
+              </a:rPr>
+              <a:t>は</a:t>
+            </a:r>
+            <a:r>
+              <a:rPr lang="en-US" altLang="ja-JP" sz="2800" b="1" dirty="0" smtClean="0">
+                <a:latin typeface="03スマートフォントUI" panose="02000600000000000000" pitchFamily="50" charset="-128"/>
+                <a:ea typeface="03スマートフォントUI" panose="02000600000000000000" pitchFamily="50" charset="-128"/>
+              </a:rPr>
+              <a:t>3</a:t>
+            </a:r>
+            <a:r>
+              <a:rPr lang="ja-JP" altLang="en-US" sz="2800" b="1" dirty="0" smtClean="0">
+                <a:latin typeface="03スマートフォントUI" panose="02000600000000000000" pitchFamily="50" charset="-128"/>
+                <a:ea typeface="03スマートフォントUI" panose="02000600000000000000" pitchFamily="50" charset="-128"/>
+              </a:rPr>
+              <a:t>点</a:t>
+            </a:r>
+            <a:r>
+              <a:rPr lang="ja-JP" altLang="en-US" sz="2400" dirty="0" smtClean="0">
+                <a:latin typeface="03スマートフォントUI" panose="02000600000000000000" pitchFamily="50" charset="-128"/>
+                <a:ea typeface="03スマートフォントUI" panose="02000600000000000000" pitchFamily="50" charset="-128"/>
+              </a:rPr>
+              <a:t>です</a:t>
+            </a:r>
+            <a:r>
+              <a:rPr lang="ja-JP" altLang="en-US" sz="3200" dirty="0" smtClean="0"/>
+              <a:t>。</a:t>
+            </a:r>
+            <a:endParaRPr lang="ja-JP" altLang="en-US" sz="3200" dirty="0"/>
+          </a:p>
+          <a:p>
+            <a:endParaRPr kumimoji="1" lang="ja-JP" altLang="en-US" dirty="0">
+              <a:gradFill flip="none" rotWithShape="1">
+                <a:gsLst>
+                  <a:gs pos="0">
+                    <a:schemeClr val="accent4">
+                      <a:lumMod val="67000"/>
+                    </a:schemeClr>
+                  </a:gs>
+                  <a:gs pos="48000">
+                    <a:schemeClr val="accent4">
+                      <a:lumMod val="97000"/>
+                      <a:lumOff val="3000"/>
+                    </a:schemeClr>
+                  </a:gs>
+                  <a:gs pos="100000">
+                    <a:schemeClr val="accent4">
+                      <a:lumMod val="60000"/>
+                      <a:lumOff val="40000"/>
+                    </a:schemeClr>
+                  </a:gs>
+                </a:gsLst>
+                <a:lin ang="16200000" scaled="1"/>
+                <a:tileRect/>
+              </a:gradFill>
+            </a:endParaRPr>
+          </a:p>
+        </p:txBody>
+      </p:sp>
+      <p:sp>
+        <p:nvSpPr>
+          <p:cNvPr id="28" name="テキスト ボックス 27"/>
+          <p:cNvSpPr txBox="1"/>
+          <p:nvPr/>
+        </p:nvSpPr>
+        <p:spPr>
+          <a:xfrm>
+            <a:off x="295054" y="3251807"/>
+            <a:ext cx="5874990" cy="892552"/>
+          </a:xfrm>
+          <a:prstGeom prst="rect">
+            <a:avLst/>
+          </a:prstGeom>
+          <a:noFill/>
+        </p:spPr>
+        <p:txBody>
+          <a:bodyPr wrap="square" rtlCol="0">
+            <a:spAutoFit/>
+          </a:bodyPr>
+          <a:lstStyle/>
+          <a:p>
+            <a:r>
+              <a:rPr kumimoji="1" lang="ja-JP" altLang="en-US" sz="2400" u="sng" dirty="0" smtClean="0">
+                <a:solidFill>
+                  <a:srgbClr val="FF0000"/>
+                </a:solidFill>
+                <a:effectLst>
+                  <a:outerShdw blurRad="38100" dist="38100" dir="2700000" algn="tl">
+                    <a:srgbClr val="000000">
+                      <a:alpha val="43137"/>
+                    </a:srgbClr>
+                  </a:outerShdw>
+                </a:effectLst>
+                <a:latin typeface="源暎Nuゴシック EB" panose="02000903000000000000" pitchFamily="2" charset="-128"/>
+                <a:ea typeface="源暎Nuゴシック EB" panose="02000903000000000000" pitchFamily="2" charset="-128"/>
+              </a:rPr>
+              <a:t>「人狼」</a:t>
+            </a:r>
+            <a:r>
+              <a:rPr kumimoji="1" lang="ja-JP" altLang="en-US" sz="2400" u="sng" dirty="0" smtClean="0">
+                <a:effectLst>
+                  <a:outerShdw blurRad="38100" dist="38100" dir="2700000" algn="tl">
+                    <a:srgbClr val="000000">
+                      <a:alpha val="43137"/>
+                    </a:srgbClr>
+                  </a:outerShdw>
+                </a:effectLst>
+                <a:latin typeface="03スマートフォントUI" panose="02000600000000000000" pitchFamily="2" charset="-128"/>
+                <a:ea typeface="03スマートフォントUI" panose="02000600000000000000" pitchFamily="2" charset="-128"/>
+              </a:rPr>
+              <a:t>のまわりには金色の風船が出やすくなります</a:t>
+            </a:r>
+            <a:r>
+              <a:rPr kumimoji="1" lang="ja-JP" altLang="en-US" sz="2800" u="sng" dirty="0" smtClean="0">
+                <a:effectLst>
+                  <a:outerShdw blurRad="38100" dist="38100" dir="2700000" algn="tl">
+                    <a:srgbClr val="000000">
+                      <a:alpha val="43137"/>
+                    </a:srgbClr>
+                  </a:outerShdw>
+                </a:effectLst>
+                <a:latin typeface="03スマートフォントUI" panose="02000600000000000000" pitchFamily="2" charset="-128"/>
+                <a:ea typeface="03スマートフォントUI" panose="02000600000000000000" pitchFamily="2" charset="-128"/>
+              </a:rPr>
+              <a:t>。</a:t>
+            </a:r>
+            <a:endParaRPr kumimoji="1" lang="ja-JP" altLang="en-US" sz="2800" u="sng" dirty="0">
+              <a:effectLst>
+                <a:outerShdw blurRad="38100" dist="38100" dir="2700000" algn="tl">
+                  <a:srgbClr val="000000">
+                    <a:alpha val="43137"/>
+                  </a:srgbClr>
+                </a:outerShdw>
+              </a:effectLst>
+              <a:latin typeface="03スマートフォントUI" panose="02000600000000000000" pitchFamily="2" charset="-128"/>
+              <a:ea typeface="03スマートフォントUI" panose="02000600000000000000" pitchFamily="2" charset="-128"/>
+            </a:endParaRPr>
+          </a:p>
+        </p:txBody>
+      </p:sp>
+      <p:sp>
+        <p:nvSpPr>
+          <p:cNvPr id="29" name="テキスト ボックス 28"/>
+          <p:cNvSpPr txBox="1"/>
+          <p:nvPr/>
+        </p:nvSpPr>
+        <p:spPr>
+          <a:xfrm>
+            <a:off x="437601" y="106697"/>
             <a:ext cx="2402437" cy="769441"/>
           </a:xfrm>
           <a:prstGeom prst="rect">
@@ -4626,13 +4611,13 @@
       </p:sp>
       <p:sp>
         <p:nvSpPr>
-          <p:cNvPr id="33" name="テキスト ボックス 32"/>
+          <p:cNvPr id="30" name="テキスト ボックス 29"/>
           <p:cNvSpPr txBox="1"/>
           <p:nvPr/>
         </p:nvSpPr>
         <p:spPr>
           <a:xfrm>
-            <a:off x="428805" y="2410391"/>
+            <a:off x="437601" y="2555705"/>
             <a:ext cx="3592523" cy="769441"/>
           </a:xfrm>
           <a:prstGeom prst="rect">
@@ -4716,20 +4701,13 @@
     </p:spTree>
     <p:extLst>
       <p:ext uri="{BB962C8B-B14F-4D97-AF65-F5344CB8AC3E}">
-        <p14:creationId xmlns:p14="http://schemas.microsoft.com/office/powerpoint/2010/main" val="1252902071"/>
+        <p14:creationId xmlns:p14="http://schemas.microsoft.com/office/powerpoint/2010/main" val="1921729940"/>
       </p:ext>
     </p:extLst>
   </p:cSld>
   <p:clrMapOvr>
     <a:masterClrMapping/>
   </p:clrMapOvr>
-  <p:timing>
-    <p:tnLst>
-      <p:par>
-        <p:cTn id="1" dur="indefinite" restart="never" nodeType="tmRoot"/>
-      </p:par>
-    </p:tnLst>
-  </p:timing>
 </p:sld>
 </file>
 

--- a/PSD/操作説明(人狼).pptx
+++ b/PSD/操作説明(人狼).pptx
@@ -3257,6 +3257,59 @@
           <a:chExt cx="0" cy="0"/>
         </a:xfrm>
       </p:grpSpPr>
+      <p:sp>
+        <p:nvSpPr>
+          <p:cNvPr id="2" name="正方形/長方形 1"/>
+          <p:cNvSpPr/>
+          <p:nvPr/>
+        </p:nvSpPr>
+        <p:spPr>
+          <a:xfrm>
+            <a:off x="0" y="0"/>
+            <a:ext cx="12192000" cy="6858000"/>
+          </a:xfrm>
+          <a:prstGeom prst="rect">
+            <a:avLst/>
+          </a:prstGeom>
+          <a:solidFill>
+            <a:schemeClr val="tx1">
+              <a:alpha val="40000"/>
+            </a:schemeClr>
+          </a:solidFill>
+          <a:ln>
+            <a:solidFill>
+              <a:schemeClr val="accent1">
+                <a:shade val="50000"/>
+                <a:alpha val="95000"/>
+              </a:schemeClr>
+            </a:solidFill>
+          </a:ln>
+        </p:spPr>
+        <p:style>
+          <a:lnRef idx="2">
+            <a:schemeClr val="accent1">
+              <a:shade val="50000"/>
+            </a:schemeClr>
+          </a:lnRef>
+          <a:fillRef idx="1">
+            <a:schemeClr val="accent1"/>
+          </a:fillRef>
+          <a:effectRef idx="0">
+            <a:schemeClr val="accent1"/>
+          </a:effectRef>
+          <a:fontRef idx="minor">
+            <a:schemeClr val="lt1"/>
+          </a:fontRef>
+        </p:style>
+        <p:txBody>
+          <a:bodyPr rtlCol="0" anchor="ctr"/>
+          <a:lstStyle/>
+          <a:p>
+            <a:pPr algn="ctr"/>
+            <a:endParaRPr kumimoji="1" lang="ja-JP" altLang="en-US"/>
+          </a:p>
+        </p:txBody>
+      </p:sp>
       <p:sp>
         <p:nvSpPr>
           <p:cNvPr id="25" name="正方形/長方形 24"/>
